--- a/FST17_M4_PosterHoch_T04_mitBilder.pptx
+++ b/FST17_M4_PosterHoch_T04_mitBilder.pptx
@@ -124,6 +124,10 @@
     </p:ext>
   </p:extLst>
 </p:presentation>
+</file>
+
+<file path=ppt/revisionInfo.xml><?xml version="1.0" encoding="utf-8"?>
+<p1510:revInfo xmlns:a="http://schemas.openxmlformats.org/drawingml/2006/main" xmlns:r="http://schemas.openxmlformats.org/officeDocument/2006/relationships" xmlns:p1510="http://schemas.microsoft.com/office/powerpoint/2015/10/main"/>
 </file>
 
 <file path=ppt/diagrams/colors1.xml><?xml version="1.0" encoding="utf-8"?>
@@ -1600,7 +1604,7 @@
   <dgm:whole/>
   <dgm:extLst>
     <a:ext uri="http://schemas.microsoft.com/office/drawing/2008/diagram">
-      <dsp:dataModelExt xmlns:dsp="http://schemas.microsoft.com/office/drawing/2008/diagram" relId="rId23" minVer="http://schemas.openxmlformats.org/drawingml/2006/diagram"/>
+      <dsp:dataModelExt xmlns:dsp="http://schemas.microsoft.com/office/drawing/2008/diagram" relId="rId22" minVer="http://schemas.openxmlformats.org/drawingml/2006/diagram"/>
     </a:ext>
     <a:ext uri="{C62137D5-CB1D-491B-B009-E17868A290BF}">
       <dgm14:recolorImg xmlns:dgm14="http://schemas.microsoft.com/office/drawing/2010/diagram" val="1"/>
@@ -3988,7 +3992,7 @@
           <a:p>
             <a:fld id="{F8A2F35C-CEA7-4A41-A6EB-7B100C25E6CB}" type="datetimeFigureOut">
               <a:rPr lang="de-DE" smtClean="0"/>
-              <a:t>16.06.2017</a:t>
+              <a:t>17.06.2017</a:t>
             </a:fld>
             <a:endParaRPr lang="de-DE"/>
           </a:p>
@@ -4518,7 +4522,7 @@
           <a:p>
             <a:fld id="{CFEF8110-D74D-4E53-9D8A-42DFB11C9F8B}" type="datetimeFigureOut">
               <a:rPr lang="de-DE" smtClean="0"/>
-              <a:t>16.06.2017</a:t>
+              <a:t>17.06.2017</a:t>
             </a:fld>
             <a:endParaRPr lang="de-DE"/>
           </a:p>
@@ -4686,7 +4690,7 @@
           <a:p>
             <a:fld id="{CFEF8110-D74D-4E53-9D8A-42DFB11C9F8B}" type="datetimeFigureOut">
               <a:rPr lang="de-DE" smtClean="0"/>
-              <a:t>16.06.2017</a:t>
+              <a:t>17.06.2017</a:t>
             </a:fld>
             <a:endParaRPr lang="de-DE"/>
           </a:p>
@@ -4864,7 +4868,7 @@
           <a:p>
             <a:fld id="{CFEF8110-D74D-4E53-9D8A-42DFB11C9F8B}" type="datetimeFigureOut">
               <a:rPr lang="de-DE" smtClean="0"/>
-              <a:t>16.06.2017</a:t>
+              <a:t>17.06.2017</a:t>
             </a:fld>
             <a:endParaRPr lang="de-DE"/>
           </a:p>
@@ -5032,7 +5036,7 @@
           <a:p>
             <a:fld id="{CFEF8110-D74D-4E53-9D8A-42DFB11C9F8B}" type="datetimeFigureOut">
               <a:rPr lang="de-DE" smtClean="0"/>
-              <a:t>16.06.2017</a:t>
+              <a:t>17.06.2017</a:t>
             </a:fld>
             <a:endParaRPr lang="de-DE"/>
           </a:p>
@@ -5277,7 +5281,7 @@
           <a:p>
             <a:fld id="{CFEF8110-D74D-4E53-9D8A-42DFB11C9F8B}" type="datetimeFigureOut">
               <a:rPr lang="de-DE" smtClean="0"/>
-              <a:t>16.06.2017</a:t>
+              <a:t>17.06.2017</a:t>
             </a:fld>
             <a:endParaRPr lang="de-DE"/>
           </a:p>
@@ -5562,7 +5566,7 @@
           <a:p>
             <a:fld id="{CFEF8110-D74D-4E53-9D8A-42DFB11C9F8B}" type="datetimeFigureOut">
               <a:rPr lang="de-DE" smtClean="0"/>
-              <a:t>16.06.2017</a:t>
+              <a:t>17.06.2017</a:t>
             </a:fld>
             <a:endParaRPr lang="de-DE"/>
           </a:p>
@@ -5981,7 +5985,7 @@
           <a:p>
             <a:fld id="{CFEF8110-D74D-4E53-9D8A-42DFB11C9F8B}" type="datetimeFigureOut">
               <a:rPr lang="de-DE" smtClean="0"/>
-              <a:t>16.06.2017</a:t>
+              <a:t>17.06.2017</a:t>
             </a:fld>
             <a:endParaRPr lang="de-DE"/>
           </a:p>
@@ -6098,7 +6102,7 @@
           <a:p>
             <a:fld id="{CFEF8110-D74D-4E53-9D8A-42DFB11C9F8B}" type="datetimeFigureOut">
               <a:rPr lang="de-DE" smtClean="0"/>
-              <a:t>16.06.2017</a:t>
+              <a:t>17.06.2017</a:t>
             </a:fld>
             <a:endParaRPr lang="de-DE"/>
           </a:p>
@@ -6193,7 +6197,7 @@
           <a:p>
             <a:fld id="{CFEF8110-D74D-4E53-9D8A-42DFB11C9F8B}" type="datetimeFigureOut">
               <a:rPr lang="de-DE" smtClean="0"/>
-              <a:t>16.06.2017</a:t>
+              <a:t>17.06.2017</a:t>
             </a:fld>
             <a:endParaRPr lang="de-DE"/>
           </a:p>
@@ -6468,7 +6472,7 @@
           <a:p>
             <a:fld id="{CFEF8110-D74D-4E53-9D8A-42DFB11C9F8B}" type="datetimeFigureOut">
               <a:rPr lang="de-DE" smtClean="0"/>
-              <a:t>16.06.2017</a:t>
+              <a:t>17.06.2017</a:t>
             </a:fld>
             <a:endParaRPr lang="de-DE"/>
           </a:p>
@@ -6720,7 +6724,7 @@
           <a:p>
             <a:fld id="{CFEF8110-D74D-4E53-9D8A-42DFB11C9F8B}" type="datetimeFigureOut">
               <a:rPr lang="de-DE" smtClean="0"/>
-              <a:t>16.06.2017</a:t>
+              <a:t>17.06.2017</a:t>
             </a:fld>
             <a:endParaRPr lang="de-DE"/>
           </a:p>
@@ -6931,7 +6935,7 @@
           <a:p>
             <a:fld id="{CFEF8110-D74D-4E53-9D8A-42DFB11C9F8B}" type="datetimeFigureOut">
               <a:rPr lang="de-DE" smtClean="0"/>
-              <a:t>16.06.2017</a:t>
+              <a:t>17.06.2017</a:t>
             </a:fld>
             <a:endParaRPr lang="de-DE"/>
           </a:p>
@@ -7392,8 +7396,8 @@
         </p:nvSpPr>
         <p:spPr>
           <a:xfrm>
-            <a:off x="7292448" y="18039231"/>
-            <a:ext cx="6657442" cy="10890000"/>
+            <a:off x="7292447" y="18039230"/>
+            <a:ext cx="13639627" cy="10891249"/>
           </a:xfrm>
           <a:prstGeom prst="rect">
             <a:avLst/>
@@ -7434,14 +7438,14 @@
       </p:sp>
       <p:sp>
         <p:nvSpPr>
-          <p:cNvPr id="58" name="Rechteck 57"/>
+          <p:cNvPr id="47" name="Rechteck 46"/>
           <p:cNvSpPr/>
           <p:nvPr/>
         </p:nvSpPr>
         <p:spPr>
           <a:xfrm>
-            <a:off x="14280563" y="18039231"/>
-            <a:ext cx="6657442" cy="10891249"/>
+            <a:off x="253901" y="13050861"/>
+            <a:ext cx="13695989" cy="3236927"/>
           </a:xfrm>
           <a:prstGeom prst="rect">
             <a:avLst/>
@@ -7476,54 +7480,6 @@
           <a:lstStyle/>
           <a:p>
             <a:pPr algn="ctr"/>
-            <a:endParaRPr lang="de-DE" dirty="0"/>
-          </a:p>
-        </p:txBody>
-      </p:sp>
-      <p:sp>
-        <p:nvSpPr>
-          <p:cNvPr id="47" name="Rechteck 46"/>
-          <p:cNvSpPr/>
-          <p:nvPr/>
-        </p:nvSpPr>
-        <p:spPr>
-          <a:xfrm>
-            <a:off x="253901" y="13050861"/>
-            <a:ext cx="14026662" cy="3236927"/>
-          </a:xfrm>
-          <a:prstGeom prst="rect">
-            <a:avLst/>
-          </a:prstGeom>
-          <a:solidFill>
-            <a:srgbClr val="F2F2F2">
-              <a:alpha val="98824"/>
-            </a:srgbClr>
-          </a:solidFill>
-          <a:ln>
-            <a:noFill/>
-          </a:ln>
-        </p:spPr>
-        <p:style>
-          <a:lnRef idx="2">
-            <a:schemeClr val="accent1">
-              <a:shade val="50000"/>
-            </a:schemeClr>
-          </a:lnRef>
-          <a:fillRef idx="1">
-            <a:schemeClr val="accent1"/>
-          </a:fillRef>
-          <a:effectRef idx="0">
-            <a:schemeClr val="accent1"/>
-          </a:effectRef>
-          <a:fontRef idx="minor">
-            <a:schemeClr val="lt1"/>
-          </a:fontRef>
-        </p:style>
-        <p:txBody>
-          <a:bodyPr rtlCol="0" anchor="ctr"/>
-          <a:lstStyle/>
-          <a:p>
-            <a:pPr algn="ctr"/>
             <a:endParaRPr lang="de-DE"/>
           </a:p>
         </p:txBody>
@@ -7592,7 +7548,7 @@
                 <a:latin typeface="Arial" panose="020B0604020202020204" pitchFamily="34" charset="0"/>
                 <a:cs typeface="Arial" panose="020B0604020202020204" pitchFamily="34" charset="0"/>
               </a:rPr>
-              <a:t>Betreuer: Prof. Dr. M. Winter / Dipl.-Inf. U. Poborski</a:t>
+              <a:t>Betreuer: Prof. Dr. S. Bente / Dipl.-Inf. U. Poborski</a:t>
             </a:r>
           </a:p>
         </p:txBody>
@@ -7650,8 +7606,8 @@
         </p:nvSpPr>
         <p:spPr>
           <a:xfrm>
-            <a:off x="15578835" y="3384427"/>
-            <a:ext cx="4187350" cy="5096084"/>
+            <a:off x="15578835" y="3545231"/>
+            <a:ext cx="4187350" cy="5239796"/>
           </a:xfrm>
           <a:prstGeom prst="rect">
             <a:avLst/>
@@ -7858,44 +7814,6 @@
       </p:sp>
       <p:sp>
         <p:nvSpPr>
-          <p:cNvPr id="16" name="Rechteck 15"/>
-          <p:cNvSpPr/>
-          <p:nvPr/>
-        </p:nvSpPr>
-        <p:spPr>
-          <a:xfrm>
-            <a:off x="14414066" y="18080498"/>
-            <a:ext cx="3740126" cy="984885"/>
-          </a:xfrm>
-          <a:prstGeom prst="rect">
-            <a:avLst/>
-          </a:prstGeom>
-        </p:spPr>
-        <p:txBody>
-          <a:bodyPr wrap="none">
-            <a:spAutoFit/>
-          </a:bodyPr>
-          <a:lstStyle/>
-          <a:p>
-            <a:r>
-              <a:rPr lang="de-DE" dirty="0">
-                <a:solidFill>
-                  <a:prstClr val="black"/>
-                </a:solidFill>
-                <a:latin typeface="Arial" panose="020B0604020202020204" pitchFamily="34" charset="0"/>
-                <a:cs typeface="Arial" panose="020B0604020202020204" pitchFamily="34" charset="0"/>
-              </a:rPr>
-              <a:t>Architektur</a:t>
-            </a:r>
-            <a:endParaRPr lang="de-DE" dirty="0">
-              <a:latin typeface="Arial" panose="020B0604020202020204" pitchFamily="34" charset="0"/>
-              <a:cs typeface="Arial" panose="020B0604020202020204" pitchFamily="34" charset="0"/>
-            </a:endParaRPr>
-          </a:p>
-        </p:txBody>
-      </p:sp>
-      <p:sp>
-        <p:nvSpPr>
           <p:cNvPr id="20" name="Rechteck 19"/>
           <p:cNvSpPr/>
           <p:nvPr/>
@@ -7940,8 +7858,8 @@
         </p:nvSpPr>
         <p:spPr>
           <a:xfrm>
-            <a:off x="7374790" y="28512434"/>
-            <a:ext cx="6668433" cy="369332"/>
+            <a:off x="7459767" y="28531711"/>
+            <a:ext cx="5291293" cy="369332"/>
           </a:xfrm>
           <a:prstGeom prst="rect">
             <a:avLst/>
@@ -7988,7 +7906,7 @@
         </p:nvSpPr>
         <p:spPr>
           <a:xfrm>
-            <a:off x="14409842" y="23906707"/>
+            <a:off x="13225776" y="24408191"/>
             <a:ext cx="6407027" cy="369332"/>
           </a:xfrm>
           <a:prstGeom prst="rect">
@@ -8026,7 +7944,7 @@
         </p:nvSpPr>
         <p:spPr>
           <a:xfrm>
-            <a:off x="14384645" y="24289974"/>
+            <a:off x="397743" y="23790116"/>
             <a:ext cx="6449278" cy="984885"/>
           </a:xfrm>
           <a:prstGeom prst="rect">
@@ -8047,7 +7965,7 @@
                 <a:latin typeface="Arial" panose="020B0604020202020204" pitchFamily="34" charset="0"/>
                 <a:cs typeface="Arial" panose="020B0604020202020204" pitchFamily="34" charset="0"/>
               </a:rPr>
-              <a:t>Realisierungstools:</a:t>
+              <a:t>Techniken</a:t>
             </a:r>
             <a:endParaRPr lang="de-DE" dirty="0">
               <a:latin typeface="Arial" panose="020B0604020202020204" pitchFamily="34" charset="0"/>
@@ -8516,7 +8434,7 @@
         </p:blipFill>
         <p:spPr>
           <a:xfrm>
-            <a:off x="16439781" y="11059224"/>
+            <a:off x="16474880" y="11059224"/>
             <a:ext cx="2819971" cy="398240"/>
           </a:xfrm>
           <a:prstGeom prst="rect">
@@ -8592,7 +8510,7 @@
         </p:nvSpPr>
         <p:spPr>
           <a:xfrm>
-            <a:off x="470465" y="13062629"/>
+            <a:off x="253901" y="13062629"/>
             <a:ext cx="3948517" cy="769441"/>
           </a:xfrm>
           <a:prstGeom prst="rect">
@@ -8629,7 +8547,7 @@
         <p:spPr>
           <a:xfrm>
             <a:off x="253901" y="13802289"/>
-            <a:ext cx="14026662" cy="2246769"/>
+            <a:ext cx="13695989" cy="2246769"/>
           </a:xfrm>
           <a:prstGeom prst="rect">
             <a:avLst/>
@@ -8642,7 +8560,7 @@
           </a:bodyPr>
           <a:lstStyle/>
           <a:p>
-            <a:pPr marL="457200" lvl="0" indent="-457200" algn="ctr">
+            <a:pPr marL="457200" lvl="0" indent="-457200">
               <a:buFont typeface="Arial" panose="020B0604020202020204" pitchFamily="34" charset="0"/>
               <a:buChar char="•"/>
             </a:pPr>
@@ -8655,7 +8573,7 @@
             </a:r>
           </a:p>
           <a:p>
-            <a:pPr marL="457200" lvl="0" indent="-457200" algn="ctr">
+            <a:pPr marL="457200" lvl="0" indent="-457200">
               <a:buFont typeface="Arial" panose="020B0604020202020204" pitchFamily="34" charset="0"/>
               <a:buChar char="•"/>
             </a:pPr>
@@ -8668,7 +8586,7 @@
             </a:r>
           </a:p>
           <a:p>
-            <a:pPr marL="457200" lvl="0" indent="-457200" algn="ctr">
+            <a:pPr marL="457200" lvl="0" indent="-457200">
               <a:buFont typeface="Arial" panose="020B0604020202020204" pitchFamily="34" charset="0"/>
               <a:buChar char="•"/>
             </a:pPr>
@@ -8681,7 +8599,7 @@
             </a:r>
           </a:p>
           <a:p>
-            <a:pPr marL="457200" lvl="0" indent="-457200" algn="ctr">
+            <a:pPr marL="457200" lvl="0" indent="-457200">
               <a:buFont typeface="Arial" panose="020B0604020202020204" pitchFamily="34" charset="0"/>
               <a:buChar char="•"/>
             </a:pPr>
@@ -8694,7 +8612,7 @@
             </a:r>
           </a:p>
           <a:p>
-            <a:pPr marL="457200" lvl="0" indent="-457200" algn="ctr">
+            <a:pPr marL="457200" lvl="0" indent="-457200">
               <a:buFont typeface="Arial" panose="020B0604020202020204" pitchFamily="34" charset="0"/>
               <a:buChar char="•"/>
             </a:pPr>
@@ -8708,36 +8626,6 @@
           </a:p>
         </p:txBody>
       </p:sp>
-      <p:pic>
-        <p:nvPicPr>
-          <p:cNvPr id="9" name="Grafik 8"/>
-          <p:cNvPicPr>
-            <a:picLocks noChangeAspect="1"/>
-          </p:cNvPicPr>
-          <p:nvPr/>
-        </p:nvPicPr>
-        <p:blipFill>
-          <a:blip r:embed="rId14" cstate="print">
-            <a:extLst>
-              <a:ext uri="{28A0092B-C50C-407E-A947-70E740481C1C}">
-                <a14:useLocalDpi xmlns:a14="http://schemas.microsoft.com/office/drawing/2010/main" val="0"/>
-              </a:ext>
-            </a:extLst>
-          </a:blip>
-          <a:stretch>
-            <a:fillRect/>
-          </a:stretch>
-        </p:blipFill>
-        <p:spPr>
-          <a:xfrm>
-            <a:off x="467582" y="20886186"/>
-            <a:ext cx="6325179" cy="3529116"/>
-          </a:xfrm>
-          <a:prstGeom prst="rect">
-            <a:avLst/>
-          </a:prstGeom>
-        </p:spPr>
-      </p:pic>
       <p:pic>
         <p:nvPicPr>
           <p:cNvPr id="10" name="Grafik 9"/>
@@ -8747,14 +8635,14 @@
           <p:nvPr/>
         </p:nvPicPr>
         <p:blipFill>
-          <a:blip r:embed="rId15"/>
+          <a:blip r:embed="rId14"/>
           <a:stretch>
             <a:fillRect/>
           </a:stretch>
         </p:blipFill>
         <p:spPr>
           <a:xfrm>
-            <a:off x="473672" y="24940314"/>
+            <a:off x="473672" y="19586227"/>
             <a:ext cx="6325179" cy="3550266"/>
           </a:xfrm>
           <a:prstGeom prst="rect">
@@ -8771,86 +8659,6 @@
         <p:spPr>
           <a:xfrm>
             <a:off x="421356" y="19138584"/>
-            <a:ext cx="6402052" cy="923330"/>
-          </a:xfrm>
-          <a:prstGeom prst="rect">
-            <a:avLst/>
-          </a:prstGeom>
-        </p:spPr>
-        <p:txBody>
-          <a:bodyPr wrap="square">
-            <a:spAutoFit/>
-          </a:bodyPr>
-          <a:lstStyle/>
-          <a:p>
-            <a:r>
-              <a:rPr lang="de-DE" sz="1800" dirty="0" err="1">
-                <a:solidFill>
-                  <a:prstClr val="black"/>
-                </a:solidFill>
-                <a:latin typeface="Arial" panose="020B0604020202020204" pitchFamily="34" charset="0"/>
-                <a:cs typeface="Arial" panose="020B0604020202020204" pitchFamily="34" charset="0"/>
-              </a:rPr>
-              <a:t>Trello</a:t>
-            </a:r>
-            <a:r>
-              <a:rPr lang="de-DE" sz="1800" dirty="0">
-                <a:solidFill>
-                  <a:prstClr val="black"/>
-                </a:solidFill>
-                <a:latin typeface="Arial" panose="020B0604020202020204" pitchFamily="34" charset="0"/>
-                <a:cs typeface="Arial" panose="020B0604020202020204" pitchFamily="34" charset="0"/>
-              </a:rPr>
-              <a:t> als Tool zur Projektorganisation. </a:t>
-            </a:r>
-          </a:p>
-          <a:p>
-            <a:r>
-              <a:rPr lang="de-DE" sz="1800" dirty="0">
-                <a:solidFill>
-                  <a:prstClr val="black"/>
-                </a:solidFill>
-                <a:latin typeface="Arial" panose="020B0604020202020204" pitchFamily="34" charset="0"/>
-                <a:cs typeface="Arial" panose="020B0604020202020204" pitchFamily="34" charset="0"/>
-              </a:rPr>
-              <a:t>Wir haben ein agiles Vorgehensmodell gewählt und </a:t>
-            </a:r>
-            <a:r>
-              <a:rPr lang="de-DE" sz="1800" dirty="0" err="1">
-                <a:solidFill>
-                  <a:prstClr val="black"/>
-                </a:solidFill>
-                <a:latin typeface="Arial" panose="020B0604020202020204" pitchFamily="34" charset="0"/>
-                <a:cs typeface="Arial" panose="020B0604020202020204" pitchFamily="34" charset="0"/>
-              </a:rPr>
-              <a:t>Scrum</a:t>
-            </a:r>
-            <a:r>
-              <a:rPr lang="de-DE" sz="1800" dirty="0">
-                <a:solidFill>
-                  <a:prstClr val="black"/>
-                </a:solidFill>
-                <a:latin typeface="Arial" panose="020B0604020202020204" pitchFamily="34" charset="0"/>
-                <a:cs typeface="Arial" panose="020B0604020202020204" pitchFamily="34" charset="0"/>
-              </a:rPr>
-              <a:t> in den generellen Strukturen umgesetzt. </a:t>
-            </a:r>
-            <a:endParaRPr lang="de-DE" sz="1800" dirty="0">
-              <a:latin typeface="Arial" panose="020B0604020202020204" pitchFamily="34" charset="0"/>
-              <a:cs typeface="Arial" panose="020B0604020202020204" pitchFamily="34" charset="0"/>
-            </a:endParaRPr>
-          </a:p>
-        </p:txBody>
-      </p:sp>
-      <p:sp>
-        <p:nvSpPr>
-          <p:cNvPr id="49" name="Rechteck 48"/>
-          <p:cNvSpPr/>
-          <p:nvPr/>
-        </p:nvSpPr>
-        <p:spPr>
-          <a:xfrm>
-            <a:off x="429863" y="24415302"/>
             <a:ext cx="6402052" cy="369332"/>
           </a:xfrm>
           <a:prstGeom prst="rect">
@@ -8871,7 +8679,27 @@
                 <a:latin typeface="Arial" panose="020B0604020202020204" pitchFamily="34" charset="0"/>
                 <a:cs typeface="Arial" panose="020B0604020202020204" pitchFamily="34" charset="0"/>
               </a:rPr>
-              <a:t>Momentaufnahme während des 1. Sprints.</a:t>
+              <a:t>Agiles Vorgehensmodell, angelehnt an </a:t>
+            </a:r>
+            <a:r>
+              <a:rPr lang="de-DE" sz="1800" dirty="0" err="1">
+                <a:solidFill>
+                  <a:prstClr val="black"/>
+                </a:solidFill>
+                <a:latin typeface="Arial" panose="020B0604020202020204" pitchFamily="34" charset="0"/>
+                <a:cs typeface="Arial" panose="020B0604020202020204" pitchFamily="34" charset="0"/>
+              </a:rPr>
+              <a:t>Scrum</a:t>
+            </a:r>
+            <a:r>
+              <a:rPr lang="de-DE" sz="1800" dirty="0">
+                <a:solidFill>
+                  <a:prstClr val="black"/>
+                </a:solidFill>
+                <a:latin typeface="Arial" panose="020B0604020202020204" pitchFamily="34" charset="0"/>
+                <a:cs typeface="Arial" panose="020B0604020202020204" pitchFamily="34" charset="0"/>
+              </a:rPr>
+              <a:t>. </a:t>
             </a:r>
             <a:endParaRPr lang="de-DE" sz="1800" dirty="0">
               <a:latin typeface="Arial" panose="020B0604020202020204" pitchFamily="34" charset="0"/>
@@ -8888,7 +8716,7 @@
         </p:nvSpPr>
         <p:spPr>
           <a:xfrm>
-            <a:off x="429863" y="28478450"/>
+            <a:off x="429863" y="23177335"/>
             <a:ext cx="6402052" cy="369332"/>
           </a:xfrm>
           <a:prstGeom prst="rect">
@@ -8947,7 +8775,7 @@
           <p:nvPr/>
         </p:nvPicPr>
         <p:blipFill>
-          <a:blip r:embed="rId16" cstate="print">
+          <a:blip r:embed="rId15" cstate="print">
             <a:extLst>
               <a:ext uri="{28A0092B-C50C-407E-A947-70E740481C1C}">
                 <a14:useLocalDpi xmlns:a14="http://schemas.microsoft.com/office/drawing/2010/main" val="0"/>
@@ -8977,7 +8805,7 @@
           <p:nvPr/>
         </p:nvPicPr>
         <p:blipFill>
-          <a:blip r:embed="rId17" cstate="print">
+          <a:blip r:embed="rId16" cstate="print">
             <a:extLst>
               <a:ext uri="{28A0092B-C50C-407E-A947-70E740481C1C}">
                 <a14:useLocalDpi xmlns:a14="http://schemas.microsoft.com/office/drawing/2010/main" val="0"/>
@@ -8990,8 +8818,8 @@
         </p:blipFill>
         <p:spPr>
           <a:xfrm>
-            <a:off x="14452863" y="18937799"/>
-            <a:ext cx="6319404" cy="4947124"/>
+            <a:off x="13277837" y="18569853"/>
+            <a:ext cx="7491882" cy="5864995"/>
           </a:xfrm>
           <a:prstGeom prst="rect">
             <a:avLst/>
@@ -9006,22 +8834,21 @@
           </p:cNvPicPr>
           <p:nvPr/>
         </p:nvPicPr>
-        <p:blipFill>
-          <a:blip r:embed="rId18">
+        <p:blipFill rotWithShape="1">
+          <a:blip r:embed="rId17">
             <a:extLst>
               <a:ext uri="{28A0092B-C50C-407E-A947-70E740481C1C}">
                 <a14:useLocalDpi xmlns:a14="http://schemas.microsoft.com/office/drawing/2010/main" val="0"/>
               </a:ext>
             </a:extLst>
           </a:blip>
-          <a:stretch>
-            <a:fillRect/>
-          </a:stretch>
+          <a:srcRect l="10148" r="10504"/>
+          <a:stretch/>
         </p:blipFill>
         <p:spPr>
           <a:xfrm>
-            <a:off x="7460878" y="24943026"/>
-            <a:ext cx="6306762" cy="3547554"/>
+            <a:off x="7460878" y="24842811"/>
+            <a:ext cx="5205205" cy="3689984"/>
           </a:xfrm>
           <a:prstGeom prst="rect">
             <a:avLst/>
@@ -9046,7 +8873,7 @@
         </p:xfrm>
         <a:graphic>
           <a:graphicData uri="http://schemas.openxmlformats.org/drawingml/2006/diagram">
-            <dgm:relIds xmlns:dgm="http://schemas.openxmlformats.org/drawingml/2006/diagram" xmlns:r="http://schemas.openxmlformats.org/officeDocument/2006/relationships" r:dm="rId19" r:lo="rId20" r:qs="rId21" r:cs="rId22"/>
+            <dgm:relIds xmlns:dgm="http://schemas.openxmlformats.org/drawingml/2006/diagram" xmlns:r="http://schemas.openxmlformats.org/officeDocument/2006/relationships" r:dm="rId18" r:lo="rId19" r:qs="rId20" r:cs="rId21"/>
           </a:graphicData>
         </a:graphic>
       </p:graphicFrame>
@@ -9058,8 +8885,8 @@
         </p:nvSpPr>
         <p:spPr>
           <a:xfrm>
-            <a:off x="14529502" y="8626490"/>
-            <a:ext cx="6245607" cy="2246769"/>
+            <a:off x="14529502" y="9361091"/>
+            <a:ext cx="6245607" cy="1384995"/>
           </a:xfrm>
           <a:prstGeom prst="rect">
             <a:avLst/>
@@ -9072,24 +8899,17 @@
           </a:bodyPr>
           <a:lstStyle/>
           <a:p>
+            <a:pPr algn="ctr"/>
             <a:r>
               <a:rPr lang="de-DE" sz="2800" dirty="0">
                 <a:latin typeface="Arial" panose="020B0604020202020204" pitchFamily="34" charset="0"/>
                 <a:cs typeface="Arial" panose="020B0604020202020204" pitchFamily="34" charset="0"/>
               </a:rPr>
-              <a:t>Praktikum der Veranstaltung Fortgeschrittene Softwaretechnologie Verbundstudium </a:t>
-            </a:r>
-          </a:p>
-          <a:p>
-            <a:r>
-              <a:rPr lang="de-DE" sz="2800" dirty="0">
-                <a:latin typeface="Arial" panose="020B0604020202020204" pitchFamily="34" charset="0"/>
-                <a:cs typeface="Arial" panose="020B0604020202020204" pitchFamily="34" charset="0"/>
-              </a:rPr>
-              <a:t>Wirtschaftsinformatik Master</a:t>
-            </a:r>
-          </a:p>
-          <a:p>
+              <a:t>Fortgeschrittene Softwaretechnologie Wirtschaftsinformatik Master</a:t>
+            </a:r>
+          </a:p>
+          <a:p>
+            <a:pPr algn="ctr"/>
             <a:r>
               <a:rPr lang="de-DE" sz="2800" dirty="0">
                 <a:latin typeface="Arial" panose="020B0604020202020204" pitchFamily="34" charset="0"/>
@@ -9109,7 +8929,7 @@
         <p:spPr>
           <a:xfrm>
             <a:off x="14554005" y="2886038"/>
-            <a:ext cx="2484825" cy="769441"/>
+            <a:ext cx="4348084" cy="707886"/>
           </a:xfrm>
           <a:prstGeom prst="rect">
             <a:avLst/>
@@ -9123,9 +8943,16 @@
           <a:lstStyle/>
           <a:p>
             <a:r>
-              <a:rPr lang="de-DE" sz="4400" b="1" dirty="0"/>
-              <a:t>Anbieter:</a:t>
-            </a:r>
+              <a:rPr lang="de-DE" sz="4000" b="1" dirty="0">
+                <a:latin typeface="Arial" panose="020B0604020202020204" pitchFamily="34" charset="0"/>
+                <a:cs typeface="Arial" panose="020B0604020202020204" pitchFamily="34" charset="0"/>
+              </a:rPr>
+              <a:t>Teammitglieder</a:t>
+            </a:r>
+            <a:endParaRPr lang="de-DE" sz="4400" b="1" dirty="0">
+              <a:latin typeface="Arial" panose="020B0604020202020204" pitchFamily="34" charset="0"/>
+              <a:cs typeface="Arial" panose="020B0604020202020204" pitchFamily="34" charset="0"/>
+            </a:endParaRPr>
           </a:p>
         </p:txBody>
       </p:sp>
@@ -9137,8 +8964,8 @@
         </p:nvSpPr>
         <p:spPr>
           <a:xfrm>
-            <a:off x="242216" y="11305307"/>
-            <a:ext cx="13707674" cy="449152"/>
+            <a:off x="242216" y="11338559"/>
+            <a:ext cx="13717624" cy="415899"/>
           </a:xfrm>
           <a:prstGeom prst="rect">
             <a:avLst/>
@@ -9184,7 +9011,7 @@
           <p:nvPr/>
         </p:nvPicPr>
         <p:blipFill>
-          <a:blip r:embed="rId24" cstate="print">
+          <a:blip r:embed="rId23" cstate="print">
             <a:extLst>
               <a:ext uri="{28A0092B-C50C-407E-A947-70E740481C1C}">
                 <a14:useLocalDpi xmlns:a14="http://schemas.microsoft.com/office/drawing/2010/main" val="0"/>
@@ -9197,8 +9024,8 @@
         </p:blipFill>
         <p:spPr>
           <a:xfrm>
-            <a:off x="14451752" y="27670730"/>
-            <a:ext cx="1159592" cy="1159592"/>
+            <a:off x="496206" y="27572165"/>
+            <a:ext cx="953343" cy="953343"/>
           </a:xfrm>
           <a:prstGeom prst="rect">
             <a:avLst/>
@@ -9208,6 +9035,36 @@
       <p:pic>
         <p:nvPicPr>
           <p:cNvPr id="35" name="Grafik 34"/>
+          <p:cNvPicPr>
+            <a:picLocks noChangeAspect="1"/>
+          </p:cNvPicPr>
+          <p:nvPr/>
+        </p:nvPicPr>
+        <p:blipFill>
+          <a:blip r:embed="rId24">
+            <a:extLst>
+              <a:ext uri="{28A0092B-C50C-407E-A947-70E740481C1C}">
+                <a14:useLocalDpi xmlns:a14="http://schemas.microsoft.com/office/drawing/2010/main" val="0"/>
+              </a:ext>
+            </a:extLst>
+          </a:blip>
+          <a:stretch>
+            <a:fillRect/>
+          </a:stretch>
+        </p:blipFill>
+        <p:spPr>
+          <a:xfrm>
+            <a:off x="3137675" y="27590254"/>
+            <a:ext cx="920382" cy="920382"/>
+          </a:xfrm>
+          <a:prstGeom prst="rect">
+            <a:avLst/>
+          </a:prstGeom>
+        </p:spPr>
+      </p:pic>
+      <p:pic>
+        <p:nvPicPr>
+          <p:cNvPr id="60" name="Grafik 59"/>
           <p:cNvPicPr>
             <a:picLocks noChangeAspect="1"/>
           </p:cNvPicPr>
@@ -9227,8 +9084,8 @@
         </p:blipFill>
         <p:spPr>
           <a:xfrm>
-            <a:off x="17368193" y="27728282"/>
-            <a:ext cx="1119500" cy="1119500"/>
+            <a:off x="481903" y="24850852"/>
+            <a:ext cx="4090473" cy="961261"/>
           </a:xfrm>
           <a:prstGeom prst="rect">
             <a:avLst/>
@@ -9237,7 +9094,7 @@
       </p:pic>
       <p:pic>
         <p:nvPicPr>
-          <p:cNvPr id="60" name="Grafik 59"/>
+          <p:cNvPr id="64" name="Grafik 63"/>
           <p:cNvPicPr>
             <a:picLocks noChangeAspect="1"/>
           </p:cNvPicPr>
@@ -9257,37 +9114,7 @@
         </p:blipFill>
         <p:spPr>
           <a:xfrm>
-            <a:off x="14451751" y="25389371"/>
-            <a:ext cx="4090473" cy="961261"/>
-          </a:xfrm>
-          <a:prstGeom prst="rect">
-            <a:avLst/>
-          </a:prstGeom>
-        </p:spPr>
-      </p:pic>
-      <p:pic>
-        <p:nvPicPr>
-          <p:cNvPr id="64" name="Grafik 63"/>
-          <p:cNvPicPr>
-            <a:picLocks noChangeAspect="1"/>
-          </p:cNvPicPr>
-          <p:nvPr/>
-        </p:nvPicPr>
-        <p:blipFill>
-          <a:blip r:embed="rId27">
-            <a:extLst>
-              <a:ext uri="{28A0092B-C50C-407E-A947-70E740481C1C}">
-                <a14:useLocalDpi xmlns:a14="http://schemas.microsoft.com/office/drawing/2010/main" val="0"/>
-              </a:ext>
-            </a:extLst>
-          </a:blip>
-          <a:stretch>
-            <a:fillRect/>
-          </a:stretch>
-        </p:blipFill>
-        <p:spPr>
-          <a:xfrm>
-            <a:off x="18787744" y="26607296"/>
+            <a:off x="4830574" y="26283080"/>
             <a:ext cx="1984523" cy="826885"/>
           </a:xfrm>
           <a:prstGeom prst="rect">
@@ -9304,7 +9131,7 @@
           <p:nvPr/>
         </p:nvPicPr>
         <p:blipFill>
-          <a:blip r:embed="rId28" cstate="print">
+          <a:blip r:embed="rId27" cstate="print">
             <a:extLst>
               <a:ext uri="{28A0092B-C50C-407E-A947-70E740481C1C}">
                 <a14:useLocalDpi xmlns:a14="http://schemas.microsoft.com/office/drawing/2010/main" val="0"/>
@@ -9317,7 +9144,7 @@
         </p:blipFill>
         <p:spPr>
           <a:xfrm>
-            <a:off x="14429479" y="26607187"/>
+            <a:off x="472309" y="26282971"/>
             <a:ext cx="1577755" cy="826885"/>
           </a:xfrm>
           <a:prstGeom prst="rect">
@@ -9334,13 +9161,13 @@
           <p:nvPr/>
         </p:nvPicPr>
         <p:blipFill>
-          <a:blip r:embed="rId29" cstate="print">
+          <a:blip r:embed="rId28" cstate="print">
             <a:extLst>
               <a:ext uri="{28A0092B-C50C-407E-A947-70E740481C1C}">
                 <a14:useLocalDpi xmlns:a14="http://schemas.microsoft.com/office/drawing/2010/main" val="0"/>
               </a:ext>
               <a:ext uri="{96DAC541-7B7A-43D3-8B79-37D633B846F1}">
-                <asvg:svgBlip xmlns:asvg="http://schemas.microsoft.com/office/drawing/2016/SVG/main" r:embed="rId30"/>
+                <asvg:svgBlip xmlns:asvg="http://schemas.microsoft.com/office/drawing/2016/SVG/main" r:embed="rId29"/>
               </a:ext>
             </a:extLst>
           </a:blip>
@@ -9350,7 +9177,7 @@
         </p:blipFill>
         <p:spPr>
           <a:xfrm>
-            <a:off x="16184030" y="26694588"/>
+            <a:off x="2226860" y="26370372"/>
             <a:ext cx="2425112" cy="658660"/>
           </a:xfrm>
           <a:prstGeom prst="rect">
@@ -9367,7 +9194,7 @@
           <p:nvPr/>
         </p:nvPicPr>
         <p:blipFill>
-          <a:blip r:embed="rId31">
+          <a:blip r:embed="rId30">
             <a:extLst>
               <a:ext uri="{28A0092B-C50C-407E-A947-70E740481C1C}">
                 <a14:useLocalDpi xmlns:a14="http://schemas.microsoft.com/office/drawing/2010/main" val="0"/>
@@ -9380,8 +9207,8 @@
         </p:blipFill>
         <p:spPr>
           <a:xfrm>
-            <a:off x="15940707" y="27732199"/>
-            <a:ext cx="1098123" cy="1098123"/>
+            <a:off x="1842208" y="27589828"/>
+            <a:ext cx="902808" cy="902808"/>
           </a:xfrm>
           <a:prstGeom prst="rect">
             <a:avLst/>
@@ -9397,7 +9224,7 @@
           <p:nvPr/>
         </p:nvPicPr>
         <p:blipFill rotWithShape="1">
-          <a:blip r:embed="rId32">
+          <a:blip r:embed="rId31">
             <a:extLst>
               <a:ext uri="{28A0092B-C50C-407E-A947-70E740481C1C}">
                 <a14:useLocalDpi xmlns:a14="http://schemas.microsoft.com/office/drawing/2010/main" val="0"/>
@@ -9409,8 +9236,8 @@
         </p:blipFill>
         <p:spPr>
           <a:xfrm>
-            <a:off x="18817056" y="27654490"/>
-            <a:ext cx="1257176" cy="1227276"/>
+            <a:off x="4450716" y="27501647"/>
+            <a:ext cx="1033571" cy="1008989"/>
           </a:xfrm>
           <a:prstGeom prst="rect">
             <a:avLst/>
@@ -9426,7 +9253,7 @@
           <p:nvPr/>
         </p:nvPicPr>
         <p:blipFill>
-          <a:blip r:embed="rId33" cstate="print">
+          <a:blip r:embed="rId32" cstate="print">
             <a:extLst>
               <a:ext uri="{28A0092B-C50C-407E-A947-70E740481C1C}">
                 <a14:useLocalDpi xmlns:a14="http://schemas.microsoft.com/office/drawing/2010/main" val="0"/>
@@ -9439,7 +9266,7 @@
         </p:blipFill>
         <p:spPr>
           <a:xfrm>
-            <a:off x="18869571" y="25381330"/>
+            <a:off x="4899723" y="24842811"/>
             <a:ext cx="1947298" cy="973649"/>
           </a:xfrm>
           <a:prstGeom prst="rect">
@@ -9456,7 +9283,7 @@
           <p:nvPr/>
         </p:nvPicPr>
         <p:blipFill rotWithShape="1">
-          <a:blip r:embed="rId34" cstate="print">
+          <a:blip r:embed="rId33" cstate="print">
             <a:extLst>
               <a:ext uri="{28A0092B-C50C-407E-A947-70E740481C1C}">
                 <a14:useLocalDpi xmlns:a14="http://schemas.microsoft.com/office/drawing/2010/main" val="0"/>
@@ -9468,7 +9295,7 @@
         </p:blipFill>
         <p:spPr>
           <a:xfrm>
-            <a:off x="14637390" y="6960438"/>
+            <a:off x="14642726" y="7157703"/>
             <a:ext cx="692667" cy="800044"/>
           </a:xfrm>
           <a:prstGeom prst="rect">
@@ -9485,7 +9312,7 @@
           <p:nvPr/>
         </p:nvPicPr>
         <p:blipFill rotWithShape="1">
-          <a:blip r:embed="rId35" cstate="print">
+          <a:blip r:embed="rId34" cstate="print">
             <a:extLst>
               <a:ext uri="{28A0092B-C50C-407E-A947-70E740481C1C}">
                 <a14:useLocalDpi xmlns:a14="http://schemas.microsoft.com/office/drawing/2010/main" val="0"/>
@@ -9497,7 +9324,7 @@
         </p:blipFill>
         <p:spPr>
           <a:xfrm>
-            <a:off x="14636695" y="6089604"/>
+            <a:off x="14642726" y="6318085"/>
             <a:ext cx="692667" cy="795346"/>
           </a:xfrm>
           <a:prstGeom prst="rect">
@@ -9514,7 +9341,7 @@
           <p:nvPr/>
         </p:nvPicPr>
         <p:blipFill rotWithShape="1">
-          <a:blip r:embed="rId36" cstate="print">
+          <a:blip r:embed="rId35" cstate="print">
             <a:extLst>
               <a:ext uri="{28A0092B-C50C-407E-A947-70E740481C1C}">
                 <a14:useLocalDpi xmlns:a14="http://schemas.microsoft.com/office/drawing/2010/main" val="0"/>
@@ -9526,7 +9353,7 @@
         </p:blipFill>
         <p:spPr>
           <a:xfrm>
-            <a:off x="14640626" y="7846205"/>
+            <a:off x="14640626" y="8007009"/>
             <a:ext cx="693362" cy="722798"/>
           </a:xfrm>
           <a:prstGeom prst="rect">
@@ -9543,7 +9370,7 @@
           <p:nvPr/>
         </p:nvPicPr>
         <p:blipFill rotWithShape="1">
-          <a:blip r:embed="rId37" cstate="print">
+          <a:blip r:embed="rId36" cstate="print">
             <a:extLst>
               <a:ext uri="{28A0092B-C50C-407E-A947-70E740481C1C}">
                 <a14:useLocalDpi xmlns:a14="http://schemas.microsoft.com/office/drawing/2010/main" val="0"/>
@@ -9555,8 +9382,8 @@
         </p:blipFill>
         <p:spPr>
           <a:xfrm>
-            <a:off x="14659123" y="5208276"/>
-            <a:ext cx="649160" cy="801952"/>
+            <a:off x="14655086" y="5444092"/>
+            <a:ext cx="674275" cy="832978"/>
           </a:xfrm>
           <a:prstGeom prst="rect">
             <a:avLst/>
@@ -9572,7 +9399,7 @@
           <p:nvPr/>
         </p:nvPicPr>
         <p:blipFill rotWithShape="1">
-          <a:blip r:embed="rId38" cstate="print">
+          <a:blip r:embed="rId37" cstate="print">
             <a:extLst>
               <a:ext uri="{28A0092B-C50C-407E-A947-70E740481C1C}">
                 <a14:useLocalDpi xmlns:a14="http://schemas.microsoft.com/office/drawing/2010/main" val="0"/>
@@ -9584,8 +9411,135 @@
         </p:blipFill>
         <p:spPr>
           <a:xfrm>
-            <a:off x="14658540" y="3599811"/>
+            <a:off x="14640626" y="3791135"/>
             <a:ext cx="694527" cy="729882"/>
+          </a:xfrm>
+          <a:prstGeom prst="rect">
+            <a:avLst/>
+          </a:prstGeom>
+        </p:spPr>
+      </p:pic>
+      <p:pic>
+        <p:nvPicPr>
+          <p:cNvPr id="25" name="Grafik 24"/>
+          <p:cNvPicPr>
+            <a:picLocks noChangeAspect="1"/>
+          </p:cNvPicPr>
+          <p:nvPr/>
+        </p:nvPicPr>
+        <p:blipFill rotWithShape="1">
+          <a:blip r:embed="rId38" cstate="print">
+            <a:extLst>
+              <a:ext uri="{28A0092B-C50C-407E-A947-70E740481C1C}">
+                <a14:useLocalDpi xmlns:a14="http://schemas.microsoft.com/office/drawing/2010/main" val="0"/>
+              </a:ext>
+            </a:extLst>
+          </a:blip>
+          <a:srcRect l="12415" t="5230" b="21926"/>
+          <a:stretch/>
+        </p:blipFill>
+        <p:spPr>
+          <a:xfrm>
+            <a:off x="14632403" y="4556442"/>
+            <a:ext cx="694527" cy="847317"/>
+          </a:xfrm>
+          <a:prstGeom prst="rect">
+            <a:avLst/>
+          </a:prstGeom>
+        </p:spPr>
+      </p:pic>
+      <p:pic>
+        <p:nvPicPr>
+          <p:cNvPr id="32" name="Grafik 31"/>
+          <p:cNvPicPr>
+            <a:picLocks noChangeAspect="1"/>
+          </p:cNvPicPr>
+          <p:nvPr/>
+        </p:nvPicPr>
+        <p:blipFill>
+          <a:blip r:embed="rId39">
+            <a:extLst>
+              <a:ext uri="{28A0092B-C50C-407E-A947-70E740481C1C}">
+                <a14:useLocalDpi xmlns:a14="http://schemas.microsoft.com/office/drawing/2010/main" val="0"/>
+              </a:ext>
+            </a:extLst>
+          </a:blip>
+          <a:stretch>
+            <a:fillRect/>
+          </a:stretch>
+        </p:blipFill>
+        <p:spPr>
+          <a:xfrm>
+            <a:off x="13277837" y="24842812"/>
+            <a:ext cx="7494430" cy="3689984"/>
+          </a:xfrm>
+          <a:prstGeom prst="rect">
+            <a:avLst/>
+          </a:prstGeom>
+        </p:spPr>
+      </p:pic>
+      <p:sp>
+        <p:nvSpPr>
+          <p:cNvPr id="65" name="Rechteck 64"/>
+          <p:cNvSpPr/>
+          <p:nvPr/>
+        </p:nvSpPr>
+        <p:spPr>
+          <a:xfrm>
+            <a:off x="13225776" y="28512956"/>
+            <a:ext cx="6668433" cy="369332"/>
+          </a:xfrm>
+          <a:prstGeom prst="rect">
+            <a:avLst/>
+          </a:prstGeom>
+        </p:spPr>
+        <p:txBody>
+          <a:bodyPr wrap="square">
+            <a:spAutoFit/>
+          </a:bodyPr>
+          <a:lstStyle/>
+          <a:p>
+            <a:r>
+              <a:rPr lang="de-DE" sz="1800" dirty="0">
+                <a:solidFill>
+                  <a:prstClr val="black"/>
+                </a:solidFill>
+                <a:latin typeface="Arial" panose="020B0604020202020204" pitchFamily="34" charset="0"/>
+                <a:cs typeface="Arial" panose="020B0604020202020204" pitchFamily="34" charset="0"/>
+              </a:rPr>
+              <a:t>Sequenzdiagramm Einfache Suche.</a:t>
+            </a:r>
+            <a:endParaRPr lang="de-DE" sz="1800" dirty="0">
+              <a:latin typeface="Arial" panose="020B0604020202020204" pitchFamily="34" charset="0"/>
+              <a:cs typeface="Arial" panose="020B0604020202020204" pitchFamily="34" charset="0"/>
+            </a:endParaRPr>
+          </a:p>
+        </p:txBody>
+      </p:sp>
+      <p:pic>
+        <p:nvPicPr>
+          <p:cNvPr id="42" name="Grafik 41"/>
+          <p:cNvPicPr>
+            <a:picLocks noChangeAspect="1"/>
+          </p:cNvPicPr>
+          <p:nvPr/>
+        </p:nvPicPr>
+        <p:blipFill>
+          <a:blip r:embed="rId40" cstate="print">
+            <a:extLst>
+              <a:ext uri="{28A0092B-C50C-407E-A947-70E740481C1C}">
+                <a14:useLocalDpi xmlns:a14="http://schemas.microsoft.com/office/drawing/2010/main" val="0"/>
+              </a:ext>
+            </a:extLst>
+          </a:blip>
+          <a:stretch>
+            <a:fillRect/>
+          </a:stretch>
+        </p:blipFill>
+        <p:spPr>
+          <a:xfrm>
+            <a:off x="5876947" y="27588727"/>
+            <a:ext cx="917812" cy="921909"/>
           </a:xfrm>
           <a:prstGeom prst="rect">
             <a:avLst/>

--- a/FST17_M4_PosterHoch_T04_mitBilder.pptx
+++ b/FST17_M4_PosterHoch_T04_mitBilder.pptx
@@ -1193,7 +1193,7 @@
               <a:latin typeface="Arial" panose="020B0604020202020204" pitchFamily="34" charset="0"/>
               <a:cs typeface="Arial" panose="020B0604020202020204" pitchFamily="34" charset="0"/>
             </a:rPr>
-            <a:t>Entwicklung BE FE + </a:t>
+            <a:t>Entwicklung + </a:t>
           </a:r>
           <a:r>
             <a:rPr lang="de-DE" dirty="0" err="1">
@@ -1372,7 +1372,7 @@
       </dgm:t>
     </dgm:pt>
     <dgm:pt modelId="{7CD61C65-77EF-44A7-BACE-471CA21A7869}">
-      <dgm:prSet/>
+      <dgm:prSet custT="1"/>
       <dgm:spPr>
         <a:solidFill>
           <a:srgbClr val="FF9400"/>
@@ -1382,8 +1382,13 @@
         <a:bodyPr/>
         <a:lstStyle/>
         <a:p>
+          <a:pPr>
+            <a:spcAft>
+              <a:spcPct val="35000"/>
+            </a:spcAft>
+          </a:pPr>
           <a:r>
-            <a:rPr lang="de-DE" dirty="0">
+            <a:rPr lang="de-DE" sz="1600" kern="1200" dirty="0">
               <a:latin typeface="Arial" panose="020B0604020202020204" pitchFamily="34" charset="0"/>
               <a:cs typeface="Arial" panose="020B0604020202020204" pitchFamily="34" charset="0"/>
             </a:rPr>
@@ -1391,30 +1396,39 @@
           </a:r>
         </a:p>
         <a:p>
+          <a:pPr>
+            <a:spcAft>
+              <a:spcPct val="35000"/>
+            </a:spcAft>
+          </a:pPr>
           <a:r>
-            <a:rPr lang="de-DE" dirty="0">
+            <a:rPr lang="de-DE" sz="1600" kern="1200" dirty="0">
               <a:latin typeface="Arial" panose="020B0604020202020204" pitchFamily="34" charset="0"/>
               <a:cs typeface="Arial" panose="020B0604020202020204" pitchFamily="34" charset="0"/>
             </a:rPr>
             <a:t>Bis 28.07.</a:t>
           </a:r>
+          <a:endParaRPr lang="de-DE" sz="1600" kern="1200" dirty="0">
+            <a:solidFill>
+              <a:prstClr val="white"/>
+            </a:solidFill>
+            <a:latin typeface="Arial" panose="020B0604020202020204" pitchFamily="34" charset="0"/>
+            <a:ea typeface="+mn-ea"/>
+            <a:cs typeface="Arial" panose="020B0604020202020204" pitchFamily="34" charset="0"/>
+          </a:endParaRPr>
         </a:p>
         <a:p>
+          <a:pPr>
+            <a:spcAft>
+              <a:spcPts val="0"/>
+            </a:spcAft>
+          </a:pPr>
           <a:r>
-            <a:rPr lang="de-DE" dirty="0">
+            <a:rPr lang="de-DE" sz="1600" kern="1200" dirty="0">
               <a:latin typeface="Arial" panose="020B0604020202020204" pitchFamily="34" charset="0"/>
               <a:cs typeface="Arial" panose="020B0604020202020204" pitchFamily="34" charset="0"/>
             </a:rPr>
-            <a:t>Nachbearbeitung</a:t>
-          </a:r>
-        </a:p>
-        <a:p>
-          <a:r>
-            <a:rPr lang="de-DE" dirty="0">
-              <a:latin typeface="Arial" panose="020B0604020202020204" pitchFamily="34" charset="0"/>
-              <a:cs typeface="Arial" panose="020B0604020202020204" pitchFamily="34" charset="0"/>
-            </a:rPr>
-            <a:t>Reflexionsberichte</a:t>
+            <a:t>Portfolioüberblick + Reflexionen</a:t>
           </a:r>
         </a:p>
       </dgm:t>
@@ -1665,12 +1679,12 @@
         </a:fontRef>
       </dsp:style>
       <dsp:txBody>
-        <a:bodyPr spcFirstLastPara="0" vert="horz" wrap="square" lIns="60008" tIns="20003" rIns="20003" bIns="20003" numCol="1" spcCol="1270" anchor="ctr" anchorCtr="0">
+        <a:bodyPr spcFirstLastPara="0" vert="horz" wrap="square" lIns="64008" tIns="21336" rIns="21336" bIns="21336" numCol="1" spcCol="1270" anchor="ctr" anchorCtr="0">
           <a:noAutofit/>
         </a:bodyPr>
         <a:lstStyle/>
         <a:p>
-          <a:pPr marL="0" lvl="0" indent="0" algn="ctr" defTabSz="666750">
+          <a:pPr marL="0" lvl="0" indent="0" algn="ctr" defTabSz="711200">
             <a:lnSpc>
               <a:spcPct val="90000"/>
             </a:lnSpc>
@@ -1683,7 +1697,7 @@
             <a:buNone/>
           </a:pPr>
           <a:r>
-            <a:rPr lang="de-DE" sz="1500" kern="1200" dirty="0">
+            <a:rPr lang="de-DE" sz="1600" kern="1200" dirty="0">
               <a:latin typeface="Arial" panose="020B0604020202020204" pitchFamily="34" charset="0"/>
               <a:cs typeface="Arial" panose="020B0604020202020204" pitchFamily="34" charset="0"/>
             </a:rPr>
@@ -1691,7 +1705,7 @@
           </a:r>
         </a:p>
         <a:p>
-          <a:pPr marL="0" lvl="0" indent="0" algn="ctr" defTabSz="666750">
+          <a:pPr marL="0" lvl="0" indent="0" algn="ctr" defTabSz="711200">
             <a:lnSpc>
               <a:spcPct val="90000"/>
             </a:lnSpc>
@@ -1704,7 +1718,7 @@
             <a:buNone/>
           </a:pPr>
           <a:r>
-            <a:rPr lang="de-DE" sz="1500" kern="1200" dirty="0">
+            <a:rPr lang="de-DE" sz="1600" kern="1200" dirty="0">
               <a:latin typeface="Arial" panose="020B0604020202020204" pitchFamily="34" charset="0"/>
               <a:cs typeface="Arial" panose="020B0604020202020204" pitchFamily="34" charset="0"/>
             </a:rPr>
@@ -1712,7 +1726,7 @@
           </a:r>
         </a:p>
         <a:p>
-          <a:pPr marL="0" lvl="0" indent="0" algn="ctr" defTabSz="666750">
+          <a:pPr marL="0" lvl="0" indent="0" algn="ctr" defTabSz="711200">
             <a:lnSpc>
               <a:spcPct val="90000"/>
             </a:lnSpc>
@@ -1725,7 +1739,7 @@
             <a:buNone/>
           </a:pPr>
           <a:r>
-            <a:rPr lang="de-DE" sz="1500" kern="1200" dirty="0">
+            <a:rPr lang="de-DE" sz="1600" kern="1200" dirty="0">
               <a:latin typeface="Arial" panose="020B0604020202020204" pitchFamily="34" charset="0"/>
               <a:cs typeface="Arial" panose="020B0604020202020204" pitchFamily="34" charset="0"/>
             </a:rPr>
@@ -1782,12 +1796,12 @@
         </a:fontRef>
       </dsp:style>
       <dsp:txBody>
-        <a:bodyPr spcFirstLastPara="0" vert="horz" wrap="square" lIns="60008" tIns="20003" rIns="20003" bIns="20003" numCol="1" spcCol="1270" anchor="ctr" anchorCtr="0">
+        <a:bodyPr spcFirstLastPara="0" vert="horz" wrap="square" lIns="64008" tIns="21336" rIns="21336" bIns="21336" numCol="1" spcCol="1270" anchor="ctr" anchorCtr="0">
           <a:noAutofit/>
         </a:bodyPr>
         <a:lstStyle/>
         <a:p>
-          <a:pPr marL="0" lvl="0" indent="0" algn="ctr" defTabSz="666750">
+          <a:pPr marL="0" lvl="0" indent="0" algn="ctr" defTabSz="711200">
             <a:lnSpc>
               <a:spcPct val="90000"/>
             </a:lnSpc>
@@ -1800,7 +1814,7 @@
             <a:buNone/>
           </a:pPr>
           <a:r>
-            <a:rPr lang="de-DE" sz="1500" kern="1200" dirty="0">
+            <a:rPr lang="de-DE" sz="1600" kern="1200" dirty="0">
               <a:latin typeface="Arial" panose="020B0604020202020204" pitchFamily="34" charset="0"/>
               <a:cs typeface="Arial" panose="020B0604020202020204" pitchFamily="34" charset="0"/>
             </a:rPr>
@@ -1808,7 +1822,7 @@
           </a:r>
         </a:p>
         <a:p>
-          <a:pPr marL="0" lvl="0" indent="0" algn="ctr" defTabSz="666750">
+          <a:pPr marL="0" lvl="0" indent="0" algn="ctr" defTabSz="711200">
             <a:lnSpc>
               <a:spcPct val="90000"/>
             </a:lnSpc>
@@ -1821,7 +1835,7 @@
             <a:buNone/>
           </a:pPr>
           <a:r>
-            <a:rPr lang="de-DE" sz="1500" kern="1200" dirty="0">
+            <a:rPr lang="de-DE" sz="1600" kern="1200" dirty="0">
               <a:latin typeface="Arial" panose="020B0604020202020204" pitchFamily="34" charset="0"/>
               <a:cs typeface="Arial" panose="020B0604020202020204" pitchFamily="34" charset="0"/>
             </a:rPr>
@@ -1829,7 +1843,7 @@
           </a:r>
         </a:p>
         <a:p>
-          <a:pPr marL="0" lvl="0" indent="0" algn="ctr" defTabSz="666750">
+          <a:pPr marL="0" lvl="0" indent="0" algn="ctr" defTabSz="711200">
             <a:lnSpc>
               <a:spcPct val="90000"/>
             </a:lnSpc>
@@ -1842,7 +1856,7 @@
             <a:buNone/>
           </a:pPr>
           <a:r>
-            <a:rPr lang="de-DE" sz="1500" kern="1200" dirty="0">
+            <a:rPr lang="de-DE" sz="1600" kern="1200" dirty="0">
               <a:latin typeface="Arial" panose="020B0604020202020204" pitchFamily="34" charset="0"/>
               <a:cs typeface="Arial" panose="020B0604020202020204" pitchFamily="34" charset="0"/>
             </a:rPr>
@@ -1899,12 +1913,12 @@
         </a:fontRef>
       </dsp:style>
       <dsp:txBody>
-        <a:bodyPr spcFirstLastPara="0" vert="horz" wrap="square" lIns="60008" tIns="20003" rIns="20003" bIns="20003" numCol="1" spcCol="1270" anchor="ctr" anchorCtr="0">
+        <a:bodyPr spcFirstLastPara="0" vert="horz" wrap="square" lIns="64008" tIns="21336" rIns="21336" bIns="21336" numCol="1" spcCol="1270" anchor="ctr" anchorCtr="0">
           <a:noAutofit/>
         </a:bodyPr>
         <a:lstStyle/>
         <a:p>
-          <a:pPr marL="0" lvl="0" indent="0" algn="ctr" defTabSz="666750">
+          <a:pPr marL="0" lvl="0" indent="0" algn="ctr" defTabSz="711200">
             <a:lnSpc>
               <a:spcPct val="90000"/>
             </a:lnSpc>
@@ -1917,7 +1931,7 @@
             <a:buNone/>
           </a:pPr>
           <a:r>
-            <a:rPr lang="de-DE" sz="1500" kern="1200" dirty="0">
+            <a:rPr lang="de-DE" sz="1600" kern="1200" dirty="0">
               <a:latin typeface="Arial" panose="020B0604020202020204" pitchFamily="34" charset="0"/>
               <a:cs typeface="Arial" panose="020B0604020202020204" pitchFamily="34" charset="0"/>
             </a:rPr>
@@ -1925,7 +1939,7 @@
           </a:r>
         </a:p>
         <a:p>
-          <a:pPr marL="0" lvl="0" indent="0" algn="ctr" defTabSz="666750">
+          <a:pPr marL="0" lvl="0" indent="0" algn="ctr" defTabSz="711200">
             <a:lnSpc>
               <a:spcPct val="90000"/>
             </a:lnSpc>
@@ -1938,7 +1952,7 @@
             <a:buNone/>
           </a:pPr>
           <a:r>
-            <a:rPr lang="de-DE" sz="1500" kern="1200" dirty="0">
+            <a:rPr lang="de-DE" sz="1600" kern="1200" dirty="0">
               <a:latin typeface="Arial" panose="020B0604020202020204" pitchFamily="34" charset="0"/>
               <a:cs typeface="Arial" panose="020B0604020202020204" pitchFamily="34" charset="0"/>
             </a:rPr>
@@ -1946,7 +1960,7 @@
           </a:r>
         </a:p>
         <a:p>
-          <a:pPr marL="0" lvl="0" indent="0" algn="ctr" defTabSz="666750">
+          <a:pPr marL="0" lvl="0" indent="0" algn="ctr" defTabSz="711200">
             <a:lnSpc>
               <a:spcPct val="90000"/>
             </a:lnSpc>
@@ -1959,7 +1973,7 @@
             <a:buNone/>
           </a:pPr>
           <a:r>
-            <a:rPr lang="de-DE" sz="1500" kern="1200" dirty="0">
+            <a:rPr lang="de-DE" sz="1600" kern="1200" dirty="0">
               <a:latin typeface="Arial" panose="020B0604020202020204" pitchFamily="34" charset="0"/>
               <a:cs typeface="Arial" panose="020B0604020202020204" pitchFamily="34" charset="0"/>
             </a:rPr>
@@ -2016,12 +2030,12 @@
         </a:fontRef>
       </dsp:style>
       <dsp:txBody>
-        <a:bodyPr spcFirstLastPara="0" vert="horz" wrap="square" lIns="60008" tIns="20003" rIns="20003" bIns="20003" numCol="1" spcCol="1270" anchor="ctr" anchorCtr="0">
+        <a:bodyPr spcFirstLastPara="0" vert="horz" wrap="square" lIns="64008" tIns="21336" rIns="21336" bIns="21336" numCol="1" spcCol="1270" anchor="ctr" anchorCtr="0">
           <a:noAutofit/>
         </a:bodyPr>
         <a:lstStyle/>
         <a:p>
-          <a:pPr marL="0" lvl="0" indent="0" algn="ctr" defTabSz="666750">
+          <a:pPr marL="0" lvl="0" indent="0" algn="ctr" defTabSz="711200">
             <a:lnSpc>
               <a:spcPct val="90000"/>
             </a:lnSpc>
@@ -2034,7 +2048,7 @@
             <a:buNone/>
           </a:pPr>
           <a:r>
-            <a:rPr lang="de-DE" sz="1500" kern="1200" dirty="0">
+            <a:rPr lang="de-DE" sz="1600" kern="1200" dirty="0">
               <a:latin typeface="Arial" panose="020B0604020202020204" pitchFamily="34" charset="0"/>
               <a:cs typeface="Arial" panose="020B0604020202020204" pitchFamily="34" charset="0"/>
             </a:rPr>
@@ -2042,7 +2056,7 @@
           </a:r>
         </a:p>
         <a:p>
-          <a:pPr marL="0" lvl="0" indent="0" algn="ctr" defTabSz="666750">
+          <a:pPr marL="0" lvl="0" indent="0" algn="ctr" defTabSz="711200">
             <a:lnSpc>
               <a:spcPct val="90000"/>
             </a:lnSpc>
@@ -2055,7 +2069,7 @@
             <a:buNone/>
           </a:pPr>
           <a:r>
-            <a:rPr lang="de-DE" sz="1500" kern="1200" dirty="0">
+            <a:rPr lang="de-DE" sz="1600" kern="1200" dirty="0">
               <a:latin typeface="Arial" panose="020B0604020202020204" pitchFamily="34" charset="0"/>
               <a:cs typeface="Arial" panose="020B0604020202020204" pitchFamily="34" charset="0"/>
             </a:rPr>
@@ -2063,7 +2077,7 @@
           </a:r>
         </a:p>
         <a:p>
-          <a:pPr marL="0" lvl="0" indent="0" algn="ctr" defTabSz="666750">
+          <a:pPr marL="0" lvl="0" indent="0" algn="ctr" defTabSz="711200">
             <a:lnSpc>
               <a:spcPct val="90000"/>
             </a:lnSpc>
@@ -2076,7 +2090,7 @@
             <a:buNone/>
           </a:pPr>
           <a:r>
-            <a:rPr lang="de-DE" sz="1500" kern="1200" dirty="0">
+            <a:rPr lang="de-DE" sz="1600" kern="1200" dirty="0">
               <a:latin typeface="Arial" panose="020B0604020202020204" pitchFamily="34" charset="0"/>
               <a:cs typeface="Arial" panose="020B0604020202020204" pitchFamily="34" charset="0"/>
             </a:rPr>
@@ -2133,12 +2147,12 @@
         </a:fontRef>
       </dsp:style>
       <dsp:txBody>
-        <a:bodyPr spcFirstLastPara="0" vert="horz" wrap="square" lIns="60008" tIns="20003" rIns="20003" bIns="20003" numCol="1" spcCol="1270" anchor="ctr" anchorCtr="0">
+        <a:bodyPr spcFirstLastPara="0" vert="horz" wrap="square" lIns="64008" tIns="21336" rIns="21336" bIns="21336" numCol="1" spcCol="1270" anchor="ctr" anchorCtr="0">
           <a:noAutofit/>
         </a:bodyPr>
         <a:lstStyle/>
         <a:p>
-          <a:pPr marL="0" lvl="0" indent="0" algn="ctr" defTabSz="666750">
+          <a:pPr marL="0" lvl="0" indent="0" algn="ctr" defTabSz="711200">
             <a:lnSpc>
               <a:spcPct val="90000"/>
             </a:lnSpc>
@@ -2151,7 +2165,7 @@
             <a:buNone/>
           </a:pPr>
           <a:r>
-            <a:rPr lang="de-DE" sz="1500" kern="1200" dirty="0">
+            <a:rPr lang="de-DE" sz="1600" kern="1200" dirty="0">
               <a:latin typeface="Arial" panose="020B0604020202020204" pitchFamily="34" charset="0"/>
               <a:cs typeface="Arial" panose="020B0604020202020204" pitchFamily="34" charset="0"/>
             </a:rPr>
@@ -2159,7 +2173,7 @@
           </a:r>
         </a:p>
         <a:p>
-          <a:pPr marL="0" lvl="0" indent="0" algn="ctr" defTabSz="666750">
+          <a:pPr marL="0" lvl="0" indent="0" algn="ctr" defTabSz="711200">
             <a:lnSpc>
               <a:spcPct val="90000"/>
             </a:lnSpc>
@@ -2172,7 +2186,7 @@
             <a:buNone/>
           </a:pPr>
           <a:r>
-            <a:rPr lang="de-DE" sz="1500" kern="1200" dirty="0">
+            <a:rPr lang="de-DE" sz="1600" kern="1200" dirty="0">
               <a:latin typeface="Arial" panose="020B0604020202020204" pitchFamily="34" charset="0"/>
               <a:cs typeface="Arial" panose="020B0604020202020204" pitchFamily="34" charset="0"/>
             </a:rPr>
@@ -2180,7 +2194,7 @@
           </a:r>
         </a:p>
         <a:p>
-          <a:pPr marL="0" lvl="0" indent="0" algn="ctr" defTabSz="666750">
+          <a:pPr marL="0" lvl="0" indent="0" algn="ctr" defTabSz="711200">
             <a:lnSpc>
               <a:spcPct val="90000"/>
             </a:lnSpc>
@@ -2193,20 +2207,20 @@
             <a:buNone/>
           </a:pPr>
           <a:r>
-            <a:rPr lang="de-DE" sz="1500" kern="1200" dirty="0">
+            <a:rPr lang="de-DE" sz="1600" kern="1200" dirty="0">
               <a:latin typeface="Arial" panose="020B0604020202020204" pitchFamily="34" charset="0"/>
               <a:cs typeface="Arial" panose="020B0604020202020204" pitchFamily="34" charset="0"/>
             </a:rPr>
-            <a:t>Entwicklung BE FE + </a:t>
+            <a:t>Entwicklung + </a:t>
           </a:r>
           <a:r>
-            <a:rPr lang="de-DE" sz="1500" kern="1200" dirty="0" err="1">
+            <a:rPr lang="de-DE" sz="1600" kern="1200" dirty="0" err="1">
               <a:latin typeface="Arial" panose="020B0604020202020204" pitchFamily="34" charset="0"/>
               <a:cs typeface="Arial" panose="020B0604020202020204" pitchFamily="34" charset="0"/>
             </a:rPr>
             <a:t>Posterentwurf</a:t>
           </a:r>
-          <a:endParaRPr lang="de-DE" sz="1500" kern="1200" dirty="0">
+          <a:endParaRPr lang="de-DE" sz="1600" kern="1200" dirty="0">
             <a:latin typeface="Arial" panose="020B0604020202020204" pitchFamily="34" charset="0"/>
             <a:cs typeface="Arial" panose="020B0604020202020204" pitchFamily="34" charset="0"/>
           </a:endParaRPr>
@@ -2261,12 +2275,12 @@
         </a:fontRef>
       </dsp:style>
       <dsp:txBody>
-        <a:bodyPr spcFirstLastPara="0" vert="horz" wrap="square" lIns="60008" tIns="20003" rIns="20003" bIns="20003" numCol="1" spcCol="1270" anchor="ctr" anchorCtr="0">
+        <a:bodyPr spcFirstLastPara="0" vert="horz" wrap="square" lIns="64008" tIns="21336" rIns="21336" bIns="21336" numCol="1" spcCol="1270" anchor="ctr" anchorCtr="0">
           <a:noAutofit/>
         </a:bodyPr>
         <a:lstStyle/>
         <a:p>
-          <a:pPr marL="0" lvl="0" indent="0" algn="ctr" defTabSz="666750">
+          <a:pPr marL="0" lvl="0" indent="0" algn="ctr" defTabSz="711200">
             <a:lnSpc>
               <a:spcPct val="90000"/>
             </a:lnSpc>
@@ -2279,7 +2293,7 @@
             <a:buNone/>
           </a:pPr>
           <a:r>
-            <a:rPr lang="de-DE" sz="1500" kern="1200" dirty="0">
+            <a:rPr lang="de-DE" sz="1600" kern="1200" dirty="0">
               <a:latin typeface="Arial" panose="020B0604020202020204" pitchFamily="34" charset="0"/>
               <a:cs typeface="Arial" panose="020B0604020202020204" pitchFamily="34" charset="0"/>
             </a:rPr>
@@ -2287,7 +2301,7 @@
           </a:r>
         </a:p>
         <a:p>
-          <a:pPr marL="0" lvl="0" indent="0" algn="ctr" defTabSz="666750">
+          <a:pPr marL="0" lvl="0" indent="0" algn="ctr" defTabSz="711200">
             <a:lnSpc>
               <a:spcPct val="90000"/>
             </a:lnSpc>
@@ -2300,7 +2314,7 @@
             <a:buNone/>
           </a:pPr>
           <a:r>
-            <a:rPr lang="de-DE" sz="1500" kern="1200" dirty="0">
+            <a:rPr lang="de-DE" sz="1600" kern="1200" dirty="0">
               <a:latin typeface="Arial" panose="020B0604020202020204" pitchFamily="34" charset="0"/>
               <a:cs typeface="Arial" panose="020B0604020202020204" pitchFamily="34" charset="0"/>
             </a:rPr>
@@ -2308,7 +2322,7 @@
           </a:r>
         </a:p>
         <a:p>
-          <a:pPr marL="0" lvl="0" indent="0" algn="ctr" defTabSz="666750">
+          <a:pPr marL="0" lvl="0" indent="0" algn="ctr" defTabSz="711200">
             <a:lnSpc>
               <a:spcPct val="90000"/>
             </a:lnSpc>
@@ -2321,7 +2335,7 @@
             <a:buNone/>
           </a:pPr>
           <a:r>
-            <a:rPr lang="de-DE" sz="1500" kern="1200" dirty="0">
+            <a:rPr lang="de-DE" sz="1600" kern="1200" dirty="0">
               <a:latin typeface="Arial" panose="020B0604020202020204" pitchFamily="34" charset="0"/>
               <a:cs typeface="Arial" panose="020B0604020202020204" pitchFamily="34" charset="0"/>
             </a:rPr>
@@ -2378,12 +2392,12 @@
         </a:fontRef>
       </dsp:style>
       <dsp:txBody>
-        <a:bodyPr spcFirstLastPara="0" vert="horz" wrap="square" lIns="60008" tIns="20003" rIns="20003" bIns="20003" numCol="1" spcCol="1270" anchor="ctr" anchorCtr="0">
+        <a:bodyPr spcFirstLastPara="0" vert="horz" wrap="square" lIns="64008" tIns="21336" rIns="21336" bIns="21336" numCol="1" spcCol="1270" anchor="ctr" anchorCtr="0">
           <a:noAutofit/>
         </a:bodyPr>
         <a:lstStyle/>
         <a:p>
-          <a:pPr marL="0" lvl="0" indent="0" algn="ctr" defTabSz="666750">
+          <a:pPr marL="0" lvl="0" indent="0" algn="ctr" defTabSz="711200">
             <a:lnSpc>
               <a:spcPct val="90000"/>
             </a:lnSpc>
@@ -2396,7 +2410,7 @@
             <a:buNone/>
           </a:pPr>
           <a:r>
-            <a:rPr lang="de-DE" sz="1500" kern="1200" dirty="0">
+            <a:rPr lang="de-DE" sz="1600" kern="1200" dirty="0">
               <a:latin typeface="Arial" panose="020B0604020202020204" pitchFamily="34" charset="0"/>
               <a:cs typeface="Arial" panose="020B0604020202020204" pitchFamily="34" charset="0"/>
             </a:rPr>
@@ -2404,7 +2418,7 @@
           </a:r>
         </a:p>
         <a:p>
-          <a:pPr marL="0" lvl="0" indent="0" algn="ctr" defTabSz="666750">
+          <a:pPr marL="0" lvl="0" indent="0" algn="ctr" defTabSz="711200">
             <a:lnSpc>
               <a:spcPct val="90000"/>
             </a:lnSpc>
@@ -2417,7 +2431,7 @@
             <a:buNone/>
           </a:pPr>
           <a:r>
-            <a:rPr lang="de-DE" sz="1500" kern="1200" dirty="0">
+            <a:rPr lang="de-DE" sz="1600" kern="1200" dirty="0">
               <a:latin typeface="Arial" panose="020B0604020202020204" pitchFamily="34" charset="0"/>
               <a:cs typeface="Arial" panose="020B0604020202020204" pitchFamily="34" charset="0"/>
             </a:rPr>
@@ -2425,7 +2439,7 @@
           </a:r>
         </a:p>
         <a:p>
-          <a:pPr marL="0" lvl="0" indent="0" algn="ctr" defTabSz="666750">
+          <a:pPr marL="0" lvl="0" indent="0" algn="ctr" defTabSz="711200">
             <a:lnSpc>
               <a:spcPct val="90000"/>
             </a:lnSpc>
@@ -2438,7 +2452,7 @@
             <a:buNone/>
           </a:pPr>
           <a:r>
-            <a:rPr lang="de-DE" sz="1500" kern="1200" dirty="0">
+            <a:rPr lang="de-DE" sz="1600" kern="1200" dirty="0">
               <a:latin typeface="Arial" panose="020B0604020202020204" pitchFamily="34" charset="0"/>
               <a:cs typeface="Arial" panose="020B0604020202020204" pitchFamily="34" charset="0"/>
             </a:rPr>
@@ -2495,12 +2509,12 @@
         </a:fontRef>
       </dsp:style>
       <dsp:txBody>
-        <a:bodyPr spcFirstLastPara="0" vert="horz" wrap="square" lIns="60008" tIns="20003" rIns="20003" bIns="20003" numCol="1" spcCol="1270" anchor="ctr" anchorCtr="0">
+        <a:bodyPr spcFirstLastPara="0" vert="horz" wrap="square" lIns="64008" tIns="21336" rIns="21336" bIns="21336" numCol="1" spcCol="1270" anchor="ctr" anchorCtr="0">
           <a:noAutofit/>
         </a:bodyPr>
         <a:lstStyle/>
         <a:p>
-          <a:pPr marL="0" lvl="0" indent="0" algn="ctr" defTabSz="666750">
+          <a:pPr marL="0" lvl="0" indent="0" algn="ctr" defTabSz="711200">
             <a:lnSpc>
               <a:spcPct val="90000"/>
             </a:lnSpc>
@@ -2513,7 +2527,7 @@
             <a:buNone/>
           </a:pPr>
           <a:r>
-            <a:rPr lang="de-DE" sz="1500" kern="1200" dirty="0">
+            <a:rPr lang="de-DE" sz="1600" kern="1200" dirty="0">
               <a:latin typeface="Arial" panose="020B0604020202020204" pitchFamily="34" charset="0"/>
               <a:cs typeface="Arial" panose="020B0604020202020204" pitchFamily="34" charset="0"/>
             </a:rPr>
@@ -2521,7 +2535,7 @@
           </a:r>
         </a:p>
         <a:p>
-          <a:pPr marL="0" lvl="0" indent="0" algn="ctr" defTabSz="666750">
+          <a:pPr marL="0" lvl="0" indent="0" algn="ctr" defTabSz="711200">
             <a:lnSpc>
               <a:spcPct val="90000"/>
             </a:lnSpc>
@@ -2534,15 +2548,23 @@
             <a:buNone/>
           </a:pPr>
           <a:r>
-            <a:rPr lang="de-DE" sz="1500" kern="1200" dirty="0">
+            <a:rPr lang="de-DE" sz="1600" kern="1200" dirty="0">
               <a:latin typeface="Arial" panose="020B0604020202020204" pitchFamily="34" charset="0"/>
               <a:cs typeface="Arial" panose="020B0604020202020204" pitchFamily="34" charset="0"/>
             </a:rPr>
             <a:t>Bis 28.07.</a:t>
           </a:r>
+          <a:endParaRPr lang="de-DE" sz="1600" kern="1200" dirty="0">
+            <a:solidFill>
+              <a:prstClr val="white"/>
+            </a:solidFill>
+            <a:latin typeface="Arial" panose="020B0604020202020204" pitchFamily="34" charset="0"/>
+            <a:ea typeface="+mn-ea"/>
+            <a:cs typeface="Arial" panose="020B0604020202020204" pitchFamily="34" charset="0"/>
+          </a:endParaRPr>
         </a:p>
         <a:p>
-          <a:pPr marL="0" lvl="0" indent="0" algn="ctr" defTabSz="666750">
+          <a:pPr marL="0" lvl="0" indent="0" algn="ctr" defTabSz="711200">
             <a:lnSpc>
               <a:spcPct val="90000"/>
             </a:lnSpc>
@@ -2550,37 +2572,16 @@
               <a:spcPct val="0"/>
             </a:spcBef>
             <a:spcAft>
-              <a:spcPct val="35000"/>
+              <a:spcPts val="0"/>
             </a:spcAft>
             <a:buNone/>
           </a:pPr>
           <a:r>
-            <a:rPr lang="de-DE" sz="1500" kern="1200" dirty="0">
+            <a:rPr lang="de-DE" sz="1600" kern="1200" dirty="0">
               <a:latin typeface="Arial" panose="020B0604020202020204" pitchFamily="34" charset="0"/>
               <a:cs typeface="Arial" panose="020B0604020202020204" pitchFamily="34" charset="0"/>
             </a:rPr>
-            <a:t>Nachbearbeitung</a:t>
-          </a:r>
-        </a:p>
-        <a:p>
-          <a:pPr marL="0" lvl="0" indent="0" algn="ctr" defTabSz="666750">
-            <a:lnSpc>
-              <a:spcPct val="90000"/>
-            </a:lnSpc>
-            <a:spcBef>
-              <a:spcPct val="0"/>
-            </a:spcBef>
-            <a:spcAft>
-              <a:spcPct val="35000"/>
-            </a:spcAft>
-            <a:buNone/>
-          </a:pPr>
-          <a:r>
-            <a:rPr lang="de-DE" sz="1500" kern="1200" dirty="0">
-              <a:latin typeface="Arial" panose="020B0604020202020204" pitchFamily="34" charset="0"/>
-              <a:cs typeface="Arial" panose="020B0604020202020204" pitchFamily="34" charset="0"/>
-            </a:rPr>
-            <a:t>Reflexionsberichte</a:t>
+            <a:t>Portfolioüberblick + Reflexionen</a:t>
           </a:r>
         </a:p>
       </dsp:txBody>
@@ -7349,7 +7350,7 @@
         <p:spPr>
           <a:xfrm>
             <a:off x="304333" y="18039231"/>
-            <a:ext cx="6657442" cy="10891249"/>
+            <a:ext cx="6657442" cy="11106586"/>
           </a:xfrm>
           <a:prstGeom prst="rect">
             <a:avLst/>
@@ -7397,7 +7398,7 @@
         <p:spPr>
           <a:xfrm>
             <a:off x="7292447" y="18039230"/>
-            <a:ext cx="13639627" cy="10891249"/>
+            <a:ext cx="13639627" cy="11106587"/>
           </a:xfrm>
           <a:prstGeom prst="rect">
             <a:avLst/>
@@ -7496,8 +7497,8 @@
         </p:nvSpPr>
         <p:spPr>
           <a:xfrm>
-            <a:off x="1692178" y="288083"/>
-            <a:ext cx="18055987" cy="1872207"/>
+            <a:off x="17981689" y="288085"/>
+            <a:ext cx="3224656" cy="504791"/>
           </a:xfrm>
         </p:spPr>
         <p:txBody>
@@ -7508,11 +7509,11 @@
           <a:p>
             <a:pPr algn="l"/>
             <a:r>
-              <a:rPr lang="de-DE" sz="7200" dirty="0">
+              <a:rPr lang="de-DE" sz="2800" dirty="0">
                 <a:latin typeface="Arial" panose="020B0604020202020204" pitchFamily="34" charset="0"/>
                 <a:cs typeface="Arial" panose="020B0604020202020204" pitchFamily="34" charset="0"/>
               </a:rPr>
-              <a:t>Team 4:</a:t>
+              <a:t>Team 4 | Logout</a:t>
             </a:r>
           </a:p>
         </p:txBody>
@@ -7561,8 +7562,8 @@
         </p:nvSpPr>
         <p:spPr>
           <a:xfrm>
-            <a:off x="242216" y="11934024"/>
-            <a:ext cx="19187102" cy="1028647"/>
+            <a:off x="242216" y="11911210"/>
+            <a:ext cx="20689858" cy="1049027"/>
           </a:xfrm>
           <a:prstGeom prst="rect">
             <a:avLst/>
@@ -7583,7 +7584,7 @@
                 <a:latin typeface="Arial" panose="020B0604020202020204" pitchFamily="34" charset="0"/>
                 <a:cs typeface="Arial" panose="020B0604020202020204" pitchFamily="34" charset="0"/>
               </a:rPr>
-              <a:t>Immopiraten</a:t>
+              <a:t>immoPiraten</a:t>
             </a:r>
             <a:r>
               <a:rPr lang="de-DE" b="1" dirty="0">
@@ -7593,7 +7594,7 @@
                 <a:latin typeface="Arial" panose="020B0604020202020204" pitchFamily="34" charset="0"/>
                 <a:cs typeface="Arial" panose="020B0604020202020204" pitchFamily="34" charset="0"/>
               </a:rPr>
-              <a:t> – eine Metasuchmaschine für Immobilien</a:t>
+              <a:t> – Metasuchmaschine für Immobilienanzeigen</a:t>
             </a:r>
           </a:p>
         </p:txBody>
@@ -7606,7 +7607,7 @@
         </p:nvSpPr>
         <p:spPr>
           <a:xfrm>
-            <a:off x="15578835" y="3545231"/>
+            <a:off x="15578835" y="3689247"/>
             <a:ext cx="4187350" cy="5239796"/>
           </a:xfrm>
           <a:prstGeom prst="rect">
@@ -7820,8 +7821,8 @@
         </p:nvSpPr>
         <p:spPr>
           <a:xfrm>
-            <a:off x="7466663" y="24408191"/>
-            <a:ext cx="6466671" cy="369332"/>
+            <a:off x="7466664" y="24545487"/>
+            <a:ext cx="4954706" cy="369332"/>
           </a:xfrm>
           <a:prstGeom prst="rect">
             <a:avLst/>
@@ -7858,7 +7859,7 @@
         </p:nvSpPr>
         <p:spPr>
           <a:xfrm>
-            <a:off x="7459767" y="28531711"/>
+            <a:off x="7459767" y="28675727"/>
             <a:ext cx="5291293" cy="369332"/>
           </a:xfrm>
           <a:prstGeom prst="rect">
@@ -7906,7 +7907,7 @@
         </p:nvSpPr>
         <p:spPr>
           <a:xfrm>
-            <a:off x="13225776" y="24408191"/>
+            <a:off x="13225776" y="24545487"/>
             <a:ext cx="6407027" cy="369332"/>
           </a:xfrm>
           <a:prstGeom prst="rect">
@@ -7996,8 +7997,8 @@
         </p:blipFill>
         <p:spPr>
           <a:xfrm>
-            <a:off x="6019968" y="316733"/>
-            <a:ext cx="9274409" cy="1521003"/>
+            <a:off x="5379852" y="222429"/>
+            <a:ext cx="10482635" cy="1719152"/>
           </a:xfrm>
           <a:prstGeom prst="rect">
             <a:avLst/>
@@ -8026,8 +8027,8 @@
         </p:blipFill>
         <p:spPr>
           <a:xfrm>
-            <a:off x="146104" y="2040347"/>
-            <a:ext cx="20950131" cy="581106"/>
+            <a:off x="146104" y="2167895"/>
+            <a:ext cx="20950131" cy="453558"/>
           </a:xfrm>
           <a:prstGeom prst="rect">
             <a:avLst/>
@@ -8124,7 +8125,13 @@
           <a:lstStyle/>
           <a:p>
             <a:pPr algn="ctr"/>
-            <a:endParaRPr lang="de-DE"/>
+            <a:r>
+              <a:rPr lang="de-DE" dirty="0">
+                <a:hlinkClick r:id="rId5" tooltip="Logo_ImmoScout.png"/>
+              </a:rPr>
+              <a:t>Logo_ImmoScout.png</a:t>
+            </a:r>
+            <a:endParaRPr lang="de-DE" dirty="0"/>
           </a:p>
         </p:txBody>
       </p:sp>
@@ -8137,7 +8144,7 @@
           <p:nvPr/>
         </p:nvPicPr>
         <p:blipFill>
-          <a:blip r:embed="rId5">
+          <a:blip r:embed="rId6">
             <a:extLst>
               <a:ext uri="{28A0092B-C50C-407E-A947-70E740481C1C}">
                 <a14:useLocalDpi xmlns:a14="http://schemas.microsoft.com/office/drawing/2010/main" val="0"/>
@@ -8271,36 +8278,6 @@
           <p:nvPr/>
         </p:nvPicPr>
         <p:blipFill>
-          <a:blip r:embed="rId6" cstate="print">
-            <a:extLst>
-              <a:ext uri="{28A0092B-C50C-407E-A947-70E740481C1C}">
-                <a14:useLocalDpi xmlns:a14="http://schemas.microsoft.com/office/drawing/2010/main" val="0"/>
-              </a:ext>
-            </a:extLst>
-          </a:blip>
-          <a:stretch>
-            <a:fillRect/>
-          </a:stretch>
-        </p:blipFill>
-        <p:spPr>
-          <a:xfrm>
-            <a:off x="429863" y="9813734"/>
-            <a:ext cx="1889493" cy="1281380"/>
-          </a:xfrm>
-          <a:prstGeom prst="rect">
-            <a:avLst/>
-          </a:prstGeom>
-        </p:spPr>
-      </p:pic>
-      <p:pic>
-        <p:nvPicPr>
-          <p:cNvPr id="33" name="Grafik 32"/>
-          <p:cNvPicPr>
-            <a:picLocks noChangeAspect="1"/>
-          </p:cNvPicPr>
-          <p:nvPr/>
-        </p:nvPicPr>
-        <p:blipFill>
           <a:blip r:embed="rId7" cstate="print">
             <a:extLst>
               <a:ext uri="{28A0092B-C50C-407E-A947-70E740481C1C}">
@@ -8314,8 +8291,8 @@
         </p:blipFill>
         <p:spPr>
           <a:xfrm>
-            <a:off x="2447927" y="9816561"/>
-            <a:ext cx="1904300" cy="1291368"/>
+            <a:off x="2052217" y="9813734"/>
+            <a:ext cx="1889493" cy="1281380"/>
           </a:xfrm>
           <a:prstGeom prst="rect">
             <a:avLst/>
@@ -8324,7 +8301,7 @@
       </p:pic>
       <p:pic>
         <p:nvPicPr>
-          <p:cNvPr id="36" name="Grafik 35"/>
+          <p:cNvPr id="33" name="Grafik 32"/>
           <p:cNvPicPr>
             <a:picLocks noChangeAspect="1"/>
           </p:cNvPicPr>
@@ -8344,8 +8321,8 @@
         </p:blipFill>
         <p:spPr>
           <a:xfrm>
-            <a:off x="4480798" y="9817480"/>
-            <a:ext cx="2232248" cy="1255027"/>
+            <a:off x="4167788" y="9816561"/>
+            <a:ext cx="1904300" cy="1291368"/>
           </a:xfrm>
           <a:prstGeom prst="rect">
             <a:avLst/>
@@ -8374,7 +8351,7 @@
         </p:blipFill>
         <p:spPr>
           <a:xfrm>
-            <a:off x="6837255" y="9823574"/>
+            <a:off x="8632308" y="9862578"/>
             <a:ext cx="1475412" cy="1245351"/>
           </a:xfrm>
           <a:prstGeom prst="rect">
@@ -8404,7 +8381,7 @@
         </p:blipFill>
         <p:spPr>
           <a:xfrm>
-            <a:off x="8436876" y="9819500"/>
+            <a:off x="10271705" y="9880291"/>
             <a:ext cx="1746826" cy="1227638"/>
           </a:xfrm>
           <a:prstGeom prst="rect">
@@ -8511,7 +8488,7 @@
         <p:spPr>
           <a:xfrm>
             <a:off x="253901" y="13062629"/>
-            <a:ext cx="3948517" cy="769441"/>
+            <a:ext cx="4804520" cy="1015663"/>
           </a:xfrm>
           <a:prstGeom prst="rect">
             <a:avLst/>
@@ -8525,16 +8502,12 @@
           <a:lstStyle/>
           <a:p>
             <a:r>
-              <a:rPr lang="de-DE" sz="4400" b="1" dirty="0">
+              <a:rPr lang="de-DE" dirty="0">
                 <a:latin typeface="Arial" panose="020B0604020202020204" pitchFamily="34" charset="0"/>
                 <a:cs typeface="Arial" panose="020B0604020202020204" pitchFamily="34" charset="0"/>
               </a:rPr>
               <a:t>Produktvision</a:t>
             </a:r>
-            <a:endParaRPr lang="de-DE" b="1" dirty="0">
-              <a:latin typeface="Arial" panose="020B0604020202020204" pitchFamily="34" charset="0"/>
-              <a:cs typeface="Arial" panose="020B0604020202020204" pitchFamily="34" charset="0"/>
-            </a:endParaRPr>
           </a:p>
         </p:txBody>
       </p:sp>
@@ -8546,7 +8519,7 @@
         </p:nvSpPr>
         <p:spPr>
           <a:xfrm>
-            <a:off x="253901" y="13802289"/>
+            <a:off x="253901" y="13955082"/>
             <a:ext cx="13695989" cy="2246769"/>
           </a:xfrm>
           <a:prstGeom prst="rect">
@@ -8569,7 +8542,7 @@
                 <a:latin typeface="Arial" panose="020B0604020202020204" pitchFamily="34" charset="0"/>
                 <a:cs typeface="Arial" panose="020B0604020202020204" pitchFamily="34" charset="0"/>
               </a:rPr>
-              <a:t>Bündeln von Suchergebnissen verschiedener Quellen auf einem Portal</a:t>
+              <a:t>Aggregieren von Suchergebnissen verschiedener Quellen auf einem Portal</a:t>
             </a:r>
           </a:p>
           <a:p>
@@ -8608,7 +8581,7 @@
                 <a:latin typeface="Arial" panose="020B0604020202020204" pitchFamily="34" charset="0"/>
                 <a:cs typeface="Arial" panose="020B0604020202020204" pitchFamily="34" charset="0"/>
               </a:rPr>
-              <a:t>Benachrichtigung über zum Suchprofil passenden Immobilien</a:t>
+              <a:t>Benachrichtigung über zum Suchprofil passende Immobilien</a:t>
             </a:r>
           </a:p>
           <a:p>
@@ -8621,7 +8594,7 @@
                 <a:latin typeface="Arial" panose="020B0604020202020204" pitchFamily="34" charset="0"/>
                 <a:cs typeface="Arial" panose="020B0604020202020204" pitchFamily="34" charset="0"/>
               </a:rPr>
-              <a:t>Vereinheitlichung der Informationen einer Immobilie (evtl. in einer späteren Phase)</a:t>
+              <a:t>Vereinheitlichung der Informationen einer Immobilie (evtl. in Zukunft)</a:t>
             </a:r>
           </a:p>
         </p:txBody>
@@ -8788,7 +8761,7 @@
         </p:blipFill>
         <p:spPr>
           <a:xfrm>
-            <a:off x="7460878" y="18937798"/>
+            <a:off x="7460878" y="19075094"/>
             <a:ext cx="5391695" cy="5477504"/>
           </a:xfrm>
           <a:prstGeom prst="rect">
@@ -8818,7 +8791,7 @@
         </p:blipFill>
         <p:spPr>
           <a:xfrm>
-            <a:off x="13277837" y="18569853"/>
+            <a:off x="13277837" y="18707149"/>
             <a:ext cx="7491882" cy="5864995"/>
           </a:xfrm>
           <a:prstGeom prst="rect">
@@ -8847,7 +8820,7 @@
         </p:blipFill>
         <p:spPr>
           <a:xfrm>
-            <a:off x="7460878" y="24842811"/>
+            <a:off x="7460878" y="24986827"/>
             <a:ext cx="5205205" cy="3689984"/>
           </a:xfrm>
           <a:prstGeom prst="rect">
@@ -8862,7 +8835,7 @@
           <p:nvPr>
             <p:extLst>
               <p:ext uri="{D42A27DB-BD31-4B8C-83A1-F6EECF244321}">
-                <p14:modId xmlns:p14="http://schemas.microsoft.com/office/powerpoint/2010/main" val="469951144"/>
+                <p14:modId xmlns:p14="http://schemas.microsoft.com/office/powerpoint/2010/main" val="3307415940"/>
               </p:ext>
             </p:extLst>
           </p:nvPr>
@@ -8885,7 +8858,7 @@
         </p:nvSpPr>
         <p:spPr>
           <a:xfrm>
-            <a:off x="14529502" y="9361091"/>
+            <a:off x="14529502" y="9128224"/>
             <a:ext cx="6245607" cy="1384995"/>
           </a:xfrm>
           <a:prstGeom prst="rect">
@@ -8929,7 +8902,7 @@
         <p:spPr>
           <a:xfrm>
             <a:off x="14554005" y="2886038"/>
-            <a:ext cx="4348084" cy="707886"/>
+            <a:ext cx="5500212" cy="984885"/>
           </a:xfrm>
           <a:prstGeom prst="rect">
             <a:avLst/>
@@ -8943,16 +8916,12 @@
           <a:lstStyle/>
           <a:p>
             <a:r>
-              <a:rPr lang="de-DE" sz="4000" b="1" dirty="0">
+              <a:rPr lang="de-DE" dirty="0">
                 <a:latin typeface="Arial" panose="020B0604020202020204" pitchFamily="34" charset="0"/>
                 <a:cs typeface="Arial" panose="020B0604020202020204" pitchFamily="34" charset="0"/>
               </a:rPr>
               <a:t>Teammitglieder</a:t>
             </a:r>
-            <a:endParaRPr lang="de-DE" sz="4400" b="1" dirty="0">
-              <a:latin typeface="Arial" panose="020B0604020202020204" pitchFamily="34" charset="0"/>
-              <a:cs typeface="Arial" panose="020B0604020202020204" pitchFamily="34" charset="0"/>
-            </a:endParaRPr>
           </a:p>
         </p:txBody>
       </p:sp>
@@ -8965,7 +8934,7 @@
         <p:spPr>
           <a:xfrm>
             <a:off x="242216" y="11338559"/>
-            <a:ext cx="13717624" cy="415899"/>
+            <a:ext cx="13707674" cy="415899"/>
           </a:xfrm>
           <a:prstGeom prst="rect">
             <a:avLst/>
@@ -9024,7 +8993,7 @@
         </p:blipFill>
         <p:spPr>
           <a:xfrm>
-            <a:off x="496206" y="27572165"/>
+            <a:off x="496206" y="27777900"/>
             <a:ext cx="953343" cy="953343"/>
           </a:xfrm>
           <a:prstGeom prst="rect">
@@ -9054,7 +9023,7 @@
         </p:blipFill>
         <p:spPr>
           <a:xfrm>
-            <a:off x="3137675" y="27590254"/>
+            <a:off x="3137675" y="27795989"/>
             <a:ext cx="920382" cy="920382"/>
           </a:xfrm>
           <a:prstGeom prst="rect">
@@ -9084,7 +9053,7 @@
         </p:blipFill>
         <p:spPr>
           <a:xfrm>
-            <a:off x="481903" y="24850852"/>
+            <a:off x="481903" y="24957323"/>
             <a:ext cx="4090473" cy="961261"/>
           </a:xfrm>
           <a:prstGeom prst="rect">
@@ -9114,7 +9083,7 @@
         </p:blipFill>
         <p:spPr>
           <a:xfrm>
-            <a:off x="4830574" y="26283080"/>
+            <a:off x="4830574" y="26392190"/>
             <a:ext cx="1984523" cy="826885"/>
           </a:xfrm>
           <a:prstGeom prst="rect">
@@ -9144,7 +9113,7 @@
         </p:blipFill>
         <p:spPr>
           <a:xfrm>
-            <a:off x="472309" y="26282971"/>
+            <a:off x="429863" y="26392189"/>
             <a:ext cx="1577755" cy="826885"/>
           </a:xfrm>
           <a:prstGeom prst="rect">
@@ -9177,7 +9146,7 @@
         </p:blipFill>
         <p:spPr>
           <a:xfrm>
-            <a:off x="2226860" y="26370372"/>
+            <a:off x="2226860" y="26479482"/>
             <a:ext cx="2425112" cy="658660"/>
           </a:xfrm>
           <a:prstGeom prst="rect">
@@ -9207,7 +9176,7 @@
         </p:blipFill>
         <p:spPr>
           <a:xfrm>
-            <a:off x="1842208" y="27589828"/>
+            <a:off x="1842208" y="27795563"/>
             <a:ext cx="902808" cy="902808"/>
           </a:xfrm>
           <a:prstGeom prst="rect">
@@ -9236,7 +9205,7 @@
         </p:blipFill>
         <p:spPr>
           <a:xfrm>
-            <a:off x="4450716" y="27501647"/>
+            <a:off x="4450716" y="27707382"/>
             <a:ext cx="1033571" cy="1008989"/>
           </a:xfrm>
           <a:prstGeom prst="rect">
@@ -9266,7 +9235,7 @@
         </p:blipFill>
         <p:spPr>
           <a:xfrm>
-            <a:off x="4899723" y="24842811"/>
+            <a:off x="4899723" y="24949282"/>
             <a:ext cx="1947298" cy="973649"/>
           </a:xfrm>
           <a:prstGeom prst="rect">
@@ -9295,7 +9264,7 @@
         </p:blipFill>
         <p:spPr>
           <a:xfrm>
-            <a:off x="14642726" y="7157703"/>
+            <a:off x="14642726" y="7301719"/>
             <a:ext cx="692667" cy="800044"/>
           </a:xfrm>
           <a:prstGeom prst="rect">
@@ -9324,7 +9293,7 @@
         </p:blipFill>
         <p:spPr>
           <a:xfrm>
-            <a:off x="14642726" y="6318085"/>
+            <a:off x="14642726" y="6462101"/>
             <a:ext cx="692667" cy="795346"/>
           </a:xfrm>
           <a:prstGeom prst="rect">
@@ -9353,7 +9322,7 @@
         </p:blipFill>
         <p:spPr>
           <a:xfrm>
-            <a:off x="14640626" y="8007009"/>
+            <a:off x="14640626" y="8151025"/>
             <a:ext cx="693362" cy="722798"/>
           </a:xfrm>
           <a:prstGeom prst="rect">
@@ -9382,7 +9351,7 @@
         </p:blipFill>
         <p:spPr>
           <a:xfrm>
-            <a:off x="14655086" y="5444092"/>
+            <a:off x="14655086" y="5588108"/>
             <a:ext cx="674275" cy="832978"/>
           </a:xfrm>
           <a:prstGeom prst="rect">
@@ -9411,7 +9380,7 @@
         </p:blipFill>
         <p:spPr>
           <a:xfrm>
-            <a:off x="14640626" y="3791135"/>
+            <a:off x="14640626" y="3935151"/>
             <a:ext cx="694527" cy="729882"/>
           </a:xfrm>
           <a:prstGeom prst="rect">
@@ -9440,7 +9409,7 @@
         </p:blipFill>
         <p:spPr>
           <a:xfrm>
-            <a:off x="14632403" y="4556442"/>
+            <a:off x="14632403" y="4700458"/>
             <a:ext cx="694527" cy="847317"/>
           </a:xfrm>
           <a:prstGeom prst="rect">
@@ -9470,7 +9439,7 @@
         </p:blipFill>
         <p:spPr>
           <a:xfrm>
-            <a:off x="13277837" y="24842812"/>
+            <a:off x="13277837" y="24986828"/>
             <a:ext cx="7494430" cy="3689984"/>
           </a:xfrm>
           <a:prstGeom prst="rect">
@@ -9486,7 +9455,7 @@
         </p:nvSpPr>
         <p:spPr>
           <a:xfrm>
-            <a:off x="13225776" y="28512956"/>
+            <a:off x="13225776" y="28656972"/>
             <a:ext cx="6668433" cy="369332"/>
           </a:xfrm>
           <a:prstGeom prst="rect">
@@ -9538,8 +9507,202 @@
         </p:blipFill>
         <p:spPr>
           <a:xfrm>
-            <a:off x="5876947" y="27588727"/>
+            <a:off x="5876947" y="27794462"/>
             <a:ext cx="917812" cy="921909"/>
+          </a:xfrm>
+          <a:prstGeom prst="rect">
+            <a:avLst/>
+          </a:prstGeom>
+        </p:spPr>
+      </p:pic>
+      <p:pic>
+        <p:nvPicPr>
+          <p:cNvPr id="52" name="Grafik 51"/>
+          <p:cNvPicPr>
+            <a:picLocks noChangeAspect="1"/>
+          </p:cNvPicPr>
+          <p:nvPr/>
+        </p:nvPicPr>
+        <p:blipFill>
+          <a:blip r:embed="rId41">
+            <a:extLst>
+              <a:ext uri="{28A0092B-C50C-407E-A947-70E740481C1C}">
+                <a14:useLocalDpi xmlns:a14="http://schemas.microsoft.com/office/drawing/2010/main" val="0"/>
+              </a:ext>
+            </a:extLst>
+          </a:blip>
+          <a:stretch>
+            <a:fillRect/>
+          </a:stretch>
+        </p:blipFill>
+        <p:spPr>
+          <a:xfrm>
+            <a:off x="17530451" y="257009"/>
+            <a:ext cx="507542" cy="507542"/>
+          </a:xfrm>
+          <a:prstGeom prst="rect">
+            <a:avLst/>
+          </a:prstGeom>
+        </p:spPr>
+      </p:pic>
+      <p:pic>
+        <p:nvPicPr>
+          <p:cNvPr id="71" name="Grafik 70"/>
+          <p:cNvPicPr>
+            <a:picLocks noChangeAspect="1"/>
+          </p:cNvPicPr>
+          <p:nvPr/>
+        </p:nvPicPr>
+        <p:blipFill>
+          <a:blip r:embed="rId7" cstate="print">
+            <a:extLst>
+              <a:ext uri="{28A0092B-C50C-407E-A947-70E740481C1C}">
+                <a14:useLocalDpi xmlns:a14="http://schemas.microsoft.com/office/drawing/2010/main" val="0"/>
+              </a:ext>
+            </a:extLst>
+          </a:blip>
+          <a:stretch>
+            <a:fillRect/>
+          </a:stretch>
+        </p:blipFill>
+        <p:spPr>
+          <a:xfrm>
+            <a:off x="2114309" y="9826549"/>
+            <a:ext cx="1889493" cy="1281380"/>
+          </a:xfrm>
+          <a:prstGeom prst="rect">
+            <a:avLst/>
+          </a:prstGeom>
+        </p:spPr>
+      </p:pic>
+      <p:pic>
+        <p:nvPicPr>
+          <p:cNvPr id="72" name="Grafik 71"/>
+          <p:cNvPicPr>
+            <a:picLocks noChangeAspect="1"/>
+          </p:cNvPicPr>
+          <p:nvPr/>
+        </p:nvPicPr>
+        <p:blipFill>
+          <a:blip r:embed="rId42" cstate="print">
+            <a:extLst>
+              <a:ext uri="{28A0092B-C50C-407E-A947-70E740481C1C}">
+                <a14:useLocalDpi xmlns:a14="http://schemas.microsoft.com/office/drawing/2010/main" val="0"/>
+              </a:ext>
+            </a:extLst>
+          </a:blip>
+          <a:stretch>
+            <a:fillRect/>
+          </a:stretch>
+        </p:blipFill>
+        <p:spPr>
+          <a:xfrm>
+            <a:off x="6236074" y="9852902"/>
+            <a:ext cx="2232248" cy="1255027"/>
+          </a:xfrm>
+          <a:prstGeom prst="rect">
+            <a:avLst/>
+          </a:prstGeom>
+        </p:spPr>
+      </p:pic>
+      <p:pic>
+        <p:nvPicPr>
+          <p:cNvPr id="1030" name="Picture 6" descr="Logo_Immowelt.png"/>
+          <p:cNvPicPr>
+            <a:picLocks noChangeAspect="1" noChangeArrowheads="1"/>
+          </p:cNvPicPr>
+          <p:nvPr/>
+        </p:nvPicPr>
+        <p:blipFill>
+          <a:blip r:embed="rId43">
+            <a:extLst>
+              <a:ext uri="{28A0092B-C50C-407E-A947-70E740481C1C}">
+                <a14:useLocalDpi xmlns:a14="http://schemas.microsoft.com/office/drawing/2010/main" val="0"/>
+              </a:ext>
+            </a:extLst>
+          </a:blip>
+          <a:srcRect/>
+          <a:stretch>
+            <a:fillRect/>
+          </a:stretch>
+        </p:blipFill>
+        <p:spPr bwMode="auto">
+          <a:xfrm>
+            <a:off x="17931699" y="14679088"/>
+            <a:ext cx="3000375" cy="676275"/>
+          </a:xfrm>
+          <a:prstGeom prst="rect">
+            <a:avLst/>
+          </a:prstGeom>
+          <a:noFill/>
+          <a:extLst>
+            <a:ext uri="{909E8E84-426E-40DD-AFC4-6F175D3DCCD1}">
+              <a14:hiddenFill xmlns:a14="http://schemas.microsoft.com/office/drawing/2010/main">
+                <a:solidFill>
+                  <a:srgbClr val="FFFFFF"/>
+                </a:solidFill>
+              </a14:hiddenFill>
+            </a:ext>
+          </a:extLst>
+        </p:spPr>
+      </p:pic>
+      <p:pic>
+        <p:nvPicPr>
+          <p:cNvPr id="59" name="Grafik 58"/>
+          <p:cNvPicPr>
+            <a:picLocks noChangeAspect="1"/>
+          </p:cNvPicPr>
+          <p:nvPr/>
+        </p:nvPicPr>
+        <p:blipFill>
+          <a:blip r:embed="rId44" cstate="print">
+            <a:extLst>
+              <a:ext uri="{28A0092B-C50C-407E-A947-70E740481C1C}">
+                <a14:useLocalDpi xmlns:a14="http://schemas.microsoft.com/office/drawing/2010/main" val="0"/>
+              </a:ext>
+            </a:extLst>
+          </a:blip>
+          <a:stretch>
+            <a:fillRect/>
+          </a:stretch>
+        </p:blipFill>
+        <p:spPr>
+          <a:xfrm>
+            <a:off x="17931699" y="14023876"/>
+            <a:ext cx="2999781" cy="494495"/>
+          </a:xfrm>
+          <a:prstGeom prst="rect">
+            <a:avLst/>
+          </a:prstGeom>
+        </p:spPr>
+      </p:pic>
+      <p:pic>
+        <p:nvPicPr>
+          <p:cNvPr id="62" name="Grafik 61"/>
+          <p:cNvPicPr>
+            <a:picLocks noChangeAspect="1"/>
+          </p:cNvPicPr>
+          <p:nvPr/>
+        </p:nvPicPr>
+        <p:blipFill>
+          <a:blip r:embed="rId45">
+            <a:extLst>
+              <a:ext uri="{28A0092B-C50C-407E-A947-70E740481C1C}">
+                <a14:useLocalDpi xmlns:a14="http://schemas.microsoft.com/office/drawing/2010/main" val="0"/>
+              </a:ext>
+              <a:ext uri="{96DAC541-7B7A-43D3-8B79-37D633B846F1}">
+                <asvg:svgBlip xmlns:asvg="http://schemas.microsoft.com/office/drawing/2016/SVG/main" r:embed="rId46"/>
+              </a:ext>
+            </a:extLst>
+          </a:blip>
+          <a:stretch>
+            <a:fillRect/>
+          </a:stretch>
+        </p:blipFill>
+        <p:spPr>
+          <a:xfrm>
+            <a:off x="14429479" y="13954682"/>
+            <a:ext cx="2858568" cy="1429285"/>
           </a:xfrm>
           <a:prstGeom prst="rect">
             <a:avLst/>
